--- a/Getting Started with ML with Spark on HDInsight.pptx
+++ b/Getting Started with ML with Spark on HDInsight.pptx
@@ -5,7 +5,7 @@
     <p:sldMasterId id="2147483648" r:id="rId1"/>
   </p:sldMasterIdLst>
   <p:notesMasterIdLst>
-    <p:notesMasterId r:id="rId33"/>
+    <p:notesMasterId r:id="rId38"/>
   </p:notesMasterIdLst>
   <p:sldIdLst>
     <p:sldId id="316" r:id="rId2"/>
@@ -19,26 +19,31 @@
     <p:sldId id="307" r:id="rId10"/>
     <p:sldId id="265" r:id="rId11"/>
     <p:sldId id="308" r:id="rId12"/>
-    <p:sldId id="263" r:id="rId13"/>
-    <p:sldId id="318" r:id="rId14"/>
-    <p:sldId id="292" r:id="rId15"/>
-    <p:sldId id="319" r:id="rId16"/>
-    <p:sldId id="294" r:id="rId17"/>
-    <p:sldId id="282" r:id="rId18"/>
-    <p:sldId id="314" r:id="rId19"/>
-    <p:sldId id="295" r:id="rId20"/>
-    <p:sldId id="304" r:id="rId21"/>
-    <p:sldId id="287" r:id="rId22"/>
-    <p:sldId id="288" r:id="rId23"/>
-    <p:sldId id="296" r:id="rId24"/>
-    <p:sldId id="320" r:id="rId25"/>
-    <p:sldId id="322" r:id="rId26"/>
-    <p:sldId id="323" r:id="rId27"/>
-    <p:sldId id="324" r:id="rId28"/>
-    <p:sldId id="325" r:id="rId29"/>
-    <p:sldId id="326" r:id="rId30"/>
-    <p:sldId id="327" r:id="rId31"/>
-    <p:sldId id="328" r:id="rId32"/>
+    <p:sldId id="329" r:id="rId13"/>
+    <p:sldId id="263" r:id="rId14"/>
+    <p:sldId id="318" r:id="rId15"/>
+    <p:sldId id="292" r:id="rId16"/>
+    <p:sldId id="319" r:id="rId17"/>
+    <p:sldId id="294" r:id="rId18"/>
+    <p:sldId id="330" r:id="rId19"/>
+    <p:sldId id="282" r:id="rId20"/>
+    <p:sldId id="314" r:id="rId21"/>
+    <p:sldId id="295" r:id="rId22"/>
+    <p:sldId id="304" r:id="rId23"/>
+    <p:sldId id="287" r:id="rId24"/>
+    <p:sldId id="288" r:id="rId25"/>
+    <p:sldId id="296" r:id="rId26"/>
+    <p:sldId id="331" r:id="rId27"/>
+    <p:sldId id="320" r:id="rId28"/>
+    <p:sldId id="322" r:id="rId29"/>
+    <p:sldId id="332" r:id="rId30"/>
+    <p:sldId id="323" r:id="rId31"/>
+    <p:sldId id="324" r:id="rId32"/>
+    <p:sldId id="325" r:id="rId33"/>
+    <p:sldId id="326" r:id="rId34"/>
+    <p:sldId id="333" r:id="rId35"/>
+    <p:sldId id="327" r:id="rId36"/>
+    <p:sldId id="328" r:id="rId37"/>
   </p:sldIdLst>
   <p:sldSz cx="12192000" cy="6858000"/>
   <p:notesSz cx="6858000" cy="9144000"/>
@@ -227,7 +232,7 @@
           <a:p>
             <a:fld id="{A7AAF7AD-3104-4FFE-90FE-99789EEC3186}" type="datetimeFigureOut">
               <a:rPr lang="en-US" smtClean="0"/>
-              <a:t>4/22/2019</a:t>
+              <a:t>4/23/2019</a:t>
             </a:fld>
             <a:endParaRPr lang="en-US"/>
           </a:p>
@@ -728,7 +733,7 @@
           <a:p>
             <a:fld id="{641EB343-8CCC-4C21-A80B-729ED2FE35A1}" type="slidenum">
               <a:rPr lang="en-US" smtClean="0"/>
-              <a:t>23</a:t>
+              <a:t>25</a:t>
             </a:fld>
             <a:endParaRPr lang="en-US"/>
           </a:p>
@@ -812,7 +817,7 @@
           <a:p>
             <a:fld id="{641EB343-8CCC-4C21-A80B-729ED2FE35A1}" type="slidenum">
               <a:rPr lang="en-US" smtClean="0"/>
-              <a:t>24</a:t>
+              <a:t>26</a:t>
             </a:fld>
             <a:endParaRPr lang="en-US"/>
           </a:p>
@@ -821,7 +826,7 @@
     </p:spTree>
     <p:extLst>
       <p:ext uri="{BB962C8B-B14F-4D97-AF65-F5344CB8AC3E}">
-        <p14:creationId xmlns:p14="http://schemas.microsoft.com/office/powerpoint/2010/main" val="2493383717"/>
+        <p14:creationId xmlns:p14="http://schemas.microsoft.com/office/powerpoint/2010/main" val="341178602"/>
       </p:ext>
     </p:extLst>
   </p:cSld>
@@ -896,7 +901,91 @@
           <a:p>
             <a:fld id="{641EB343-8CCC-4C21-A80B-729ED2FE35A1}" type="slidenum">
               <a:rPr lang="en-US" smtClean="0"/>
-              <a:t>25</a:t>
+              <a:t>27</a:t>
+            </a:fld>
+            <a:endParaRPr lang="en-US"/>
+          </a:p>
+        </p:txBody>
+      </p:sp>
+    </p:spTree>
+    <p:extLst>
+      <p:ext uri="{BB962C8B-B14F-4D97-AF65-F5344CB8AC3E}">
+        <p14:creationId xmlns:p14="http://schemas.microsoft.com/office/powerpoint/2010/main" val="2493383717"/>
+      </p:ext>
+    </p:extLst>
+  </p:cSld>
+  <p:clrMapOvr>
+    <a:masterClrMapping/>
+  </p:clrMapOvr>
+</p:notes>
+</file>
+
+<file path=ppt/notesSlides/notesSlide6.xml><?xml version="1.0" encoding="utf-8"?>
+<p:notes xmlns:a="http://schemas.openxmlformats.org/drawingml/2006/main" xmlns:r="http://schemas.openxmlformats.org/officeDocument/2006/relationships" xmlns:p="http://schemas.openxmlformats.org/presentationml/2006/main">
+  <p:cSld>
+    <p:spTree>
+      <p:nvGrpSpPr>
+        <p:cNvPr id="1" name=""/>
+        <p:cNvGrpSpPr/>
+        <p:nvPr/>
+      </p:nvGrpSpPr>
+      <p:grpSpPr>
+        <a:xfrm>
+          <a:off x="0" y="0"/>
+          <a:ext cx="0" cy="0"/>
+          <a:chOff x="0" y="0"/>
+          <a:chExt cx="0" cy="0"/>
+        </a:xfrm>
+      </p:grpSpPr>
+      <p:sp>
+        <p:nvSpPr>
+          <p:cNvPr id="2" name="Slide Image Placeholder 1"/>
+          <p:cNvSpPr>
+            <a:spLocks noGrp="1" noRot="1" noChangeAspect="1"/>
+          </p:cNvSpPr>
+          <p:nvPr>
+            <p:ph type="sldImg"/>
+          </p:nvPr>
+        </p:nvSpPr>
+        <p:spPr/>
+      </p:sp>
+      <p:sp>
+        <p:nvSpPr>
+          <p:cNvPr id="3" name="Notes Placeholder 2"/>
+          <p:cNvSpPr>
+            <a:spLocks noGrp="1"/>
+          </p:cNvSpPr>
+          <p:nvPr>
+            <p:ph type="body" idx="1"/>
+          </p:nvPr>
+        </p:nvSpPr>
+        <p:spPr/>
+        <p:txBody>
+          <a:bodyPr/>
+          <a:lstStyle/>
+          <a:p>
+            <a:endParaRPr lang="en-US" dirty="0"/>
+          </a:p>
+        </p:txBody>
+      </p:sp>
+      <p:sp>
+        <p:nvSpPr>
+          <p:cNvPr id="4" name="Slide Number Placeholder 3"/>
+          <p:cNvSpPr>
+            <a:spLocks noGrp="1"/>
+          </p:cNvSpPr>
+          <p:nvPr>
+            <p:ph type="sldNum" sz="quarter" idx="10"/>
+          </p:nvPr>
+        </p:nvSpPr>
+        <p:spPr/>
+        <p:txBody>
+          <a:bodyPr/>
+          <a:lstStyle/>
+          <a:p>
+            <a:fld id="{641EB343-8CCC-4C21-A80B-729ED2FE35A1}" type="slidenum">
+              <a:rPr lang="en-US" smtClean="0"/>
+              <a:t>28</a:t>
             </a:fld>
             <a:endParaRPr lang="en-US"/>
           </a:p>
@@ -906,6 +995,90 @@
     <p:extLst>
       <p:ext uri="{BB962C8B-B14F-4D97-AF65-F5344CB8AC3E}">
         <p14:creationId xmlns:p14="http://schemas.microsoft.com/office/powerpoint/2010/main" val="1488960684"/>
+      </p:ext>
+    </p:extLst>
+  </p:cSld>
+  <p:clrMapOvr>
+    <a:masterClrMapping/>
+  </p:clrMapOvr>
+</p:notes>
+</file>
+
+<file path=ppt/notesSlides/notesSlide7.xml><?xml version="1.0" encoding="utf-8"?>
+<p:notes xmlns:a="http://schemas.openxmlformats.org/drawingml/2006/main" xmlns:r="http://schemas.openxmlformats.org/officeDocument/2006/relationships" xmlns:p="http://schemas.openxmlformats.org/presentationml/2006/main">
+  <p:cSld>
+    <p:spTree>
+      <p:nvGrpSpPr>
+        <p:cNvPr id="1" name=""/>
+        <p:cNvGrpSpPr/>
+        <p:nvPr/>
+      </p:nvGrpSpPr>
+      <p:grpSpPr>
+        <a:xfrm>
+          <a:off x="0" y="0"/>
+          <a:ext cx="0" cy="0"/>
+          <a:chOff x="0" y="0"/>
+          <a:chExt cx="0" cy="0"/>
+        </a:xfrm>
+      </p:grpSpPr>
+      <p:sp>
+        <p:nvSpPr>
+          <p:cNvPr id="2" name="Slide Image Placeholder 1"/>
+          <p:cNvSpPr>
+            <a:spLocks noGrp="1" noRot="1" noChangeAspect="1"/>
+          </p:cNvSpPr>
+          <p:nvPr>
+            <p:ph type="sldImg"/>
+          </p:nvPr>
+        </p:nvSpPr>
+        <p:spPr/>
+      </p:sp>
+      <p:sp>
+        <p:nvSpPr>
+          <p:cNvPr id="3" name="Notes Placeholder 2"/>
+          <p:cNvSpPr>
+            <a:spLocks noGrp="1"/>
+          </p:cNvSpPr>
+          <p:nvPr>
+            <p:ph type="body" idx="1"/>
+          </p:nvPr>
+        </p:nvSpPr>
+        <p:spPr/>
+        <p:txBody>
+          <a:bodyPr/>
+          <a:lstStyle/>
+          <a:p>
+            <a:endParaRPr lang="en-US" dirty="0"/>
+          </a:p>
+        </p:txBody>
+      </p:sp>
+      <p:sp>
+        <p:nvSpPr>
+          <p:cNvPr id="4" name="Slide Number Placeholder 3"/>
+          <p:cNvSpPr>
+            <a:spLocks noGrp="1"/>
+          </p:cNvSpPr>
+          <p:nvPr>
+            <p:ph type="sldNum" sz="quarter" idx="10"/>
+          </p:nvPr>
+        </p:nvSpPr>
+        <p:spPr/>
+        <p:txBody>
+          <a:bodyPr/>
+          <a:lstStyle/>
+          <a:p>
+            <a:fld id="{641EB343-8CCC-4C21-A80B-729ED2FE35A1}" type="slidenum">
+              <a:rPr lang="en-US" smtClean="0"/>
+              <a:t>29</a:t>
+            </a:fld>
+            <a:endParaRPr lang="en-US"/>
+          </a:p>
+        </p:txBody>
+      </p:sp>
+    </p:spTree>
+    <p:extLst>
+      <p:ext uri="{BB962C8B-B14F-4D97-AF65-F5344CB8AC3E}">
+        <p14:creationId xmlns:p14="http://schemas.microsoft.com/office/powerpoint/2010/main" val="3549975128"/>
       </p:ext>
     </p:extLst>
   </p:cSld>
@@ -1046,7 +1219,7 @@
           <a:p>
             <a:fld id="{66A4CFC9-B462-49B3-92C6-8A9C6E8C7410}" type="datetimeFigureOut">
               <a:rPr lang="en-US" smtClean="0"/>
-              <a:t>4/22/2019</a:t>
+              <a:t>4/23/2019</a:t>
             </a:fld>
             <a:endParaRPr lang="en-US"/>
           </a:p>
@@ -1216,7 +1389,7 @@
           <a:p>
             <a:fld id="{66A4CFC9-B462-49B3-92C6-8A9C6E8C7410}" type="datetimeFigureOut">
               <a:rPr lang="en-US" smtClean="0"/>
-              <a:t>4/22/2019</a:t>
+              <a:t>4/23/2019</a:t>
             </a:fld>
             <a:endParaRPr lang="en-US"/>
           </a:p>
@@ -1396,7 +1569,7 @@
           <a:p>
             <a:fld id="{66A4CFC9-B462-49B3-92C6-8A9C6E8C7410}" type="datetimeFigureOut">
               <a:rPr lang="en-US" smtClean="0"/>
-              <a:t>4/22/2019</a:t>
+              <a:t>4/23/2019</a:t>
             </a:fld>
             <a:endParaRPr lang="en-US"/>
           </a:p>
@@ -1566,7 +1739,7 @@
           <a:p>
             <a:fld id="{66A4CFC9-B462-49B3-92C6-8A9C6E8C7410}" type="datetimeFigureOut">
               <a:rPr lang="en-US" smtClean="0"/>
-              <a:t>4/22/2019</a:t>
+              <a:t>4/23/2019</a:t>
             </a:fld>
             <a:endParaRPr lang="en-US"/>
           </a:p>
@@ -1812,7 +1985,7 @@
           <a:p>
             <a:fld id="{66A4CFC9-B462-49B3-92C6-8A9C6E8C7410}" type="datetimeFigureOut">
               <a:rPr lang="en-US" smtClean="0"/>
-              <a:t>4/22/2019</a:t>
+              <a:t>4/23/2019</a:t>
             </a:fld>
             <a:endParaRPr lang="en-US"/>
           </a:p>
@@ -2044,7 +2217,7 @@
           <a:p>
             <a:fld id="{66A4CFC9-B462-49B3-92C6-8A9C6E8C7410}" type="datetimeFigureOut">
               <a:rPr lang="en-US" smtClean="0"/>
-              <a:t>4/22/2019</a:t>
+              <a:t>4/23/2019</a:t>
             </a:fld>
             <a:endParaRPr lang="en-US"/>
           </a:p>
@@ -2411,7 +2584,7 @@
           <a:p>
             <a:fld id="{66A4CFC9-B462-49B3-92C6-8A9C6E8C7410}" type="datetimeFigureOut">
               <a:rPr lang="en-US" smtClean="0"/>
-              <a:t>4/22/2019</a:t>
+              <a:t>4/23/2019</a:t>
             </a:fld>
             <a:endParaRPr lang="en-US"/>
           </a:p>
@@ -2529,7 +2702,7 @@
           <a:p>
             <a:fld id="{66A4CFC9-B462-49B3-92C6-8A9C6E8C7410}" type="datetimeFigureOut">
               <a:rPr lang="en-US" smtClean="0"/>
-              <a:t>4/22/2019</a:t>
+              <a:t>4/23/2019</a:t>
             </a:fld>
             <a:endParaRPr lang="en-US"/>
           </a:p>
@@ -2624,7 +2797,7 @@
           <a:p>
             <a:fld id="{66A4CFC9-B462-49B3-92C6-8A9C6E8C7410}" type="datetimeFigureOut">
               <a:rPr lang="en-US" smtClean="0"/>
-              <a:t>4/22/2019</a:t>
+              <a:t>4/23/2019</a:t>
             </a:fld>
             <a:endParaRPr lang="en-US"/>
           </a:p>
@@ -2901,7 +3074,7 @@
           <a:p>
             <a:fld id="{66A4CFC9-B462-49B3-92C6-8A9C6E8C7410}" type="datetimeFigureOut">
               <a:rPr lang="en-US" smtClean="0"/>
-              <a:t>4/22/2019</a:t>
+              <a:t>4/23/2019</a:t>
             </a:fld>
             <a:endParaRPr lang="en-US"/>
           </a:p>
@@ -3154,7 +3327,7 @@
           <a:p>
             <a:fld id="{66A4CFC9-B462-49B3-92C6-8A9C6E8C7410}" type="datetimeFigureOut">
               <a:rPr lang="en-US" smtClean="0"/>
-              <a:t>4/22/2019</a:t>
+              <a:t>4/23/2019</a:t>
             </a:fld>
             <a:endParaRPr lang="en-US"/>
           </a:p>
@@ -3367,7 +3540,7 @@
           <a:p>
             <a:fld id="{66A4CFC9-B462-49B3-92C6-8A9C6E8C7410}" type="datetimeFigureOut">
               <a:rPr lang="en-US" smtClean="0"/>
-              <a:t>4/22/2019</a:t>
+              <a:t>4/23/2019</a:t>
             </a:fld>
             <a:endParaRPr lang="en-US"/>
           </a:p>
@@ -4211,7 +4384,7 @@
         </p:nvGrpSpPr>
         <p:grpSpPr>
           <a:xfrm>
-            <a:off x="5268267" y="2127436"/>
+            <a:off x="5257921" y="2838636"/>
             <a:ext cx="6746731" cy="1674575"/>
             <a:chOff x="5202492" y="4306298"/>
             <a:chExt cx="6746731" cy="1674575"/>
@@ -4290,54 +4463,49 @@
           </p:spPr>
         </p:pic>
       </p:grpSp>
-      <p:pic>
-        <p:nvPicPr>
-          <p:cNvPr id="7" name="Picture 6"/>
-          <p:cNvPicPr>
-            <a:picLocks noChangeAspect="1"/>
-          </p:cNvPicPr>
+      <p:sp>
+        <p:nvSpPr>
+          <p:cNvPr id="2" name="Rectangle 1"/>
+          <p:cNvSpPr/>
           <p:nvPr/>
-        </p:nvPicPr>
-        <p:blipFill>
-          <a:blip r:embed="rId6"/>
-          <a:stretch>
-            <a:fillRect/>
-          </a:stretch>
-        </p:blipFill>
+        </p:nvSpPr>
         <p:spPr>
           <a:xfrm>
-            <a:off x="5268267" y="3885538"/>
-            <a:ext cx="2839405" cy="2869611"/>
+            <a:off x="5384800" y="4881248"/>
+            <a:ext cx="6276832" cy="646331"/>
           </a:xfrm>
           <a:prstGeom prst="rect">
             <a:avLst/>
           </a:prstGeom>
         </p:spPr>
-      </p:pic>
-      <p:pic>
-        <p:nvPicPr>
-          <p:cNvPr id="13" name="Content Placeholder 4"/>
-          <p:cNvPicPr>
-            <a:picLocks noChangeAspect="1"/>
-          </p:cNvPicPr>
-          <p:nvPr/>
-        </p:nvPicPr>
-        <p:blipFill>
-          <a:blip r:embed="rId7"/>
-          <a:stretch>
-            <a:fillRect/>
-          </a:stretch>
-        </p:blipFill>
-        <p:spPr>
-          <a:xfrm>
-            <a:off x="8385544" y="4355152"/>
-            <a:ext cx="3521548" cy="1827284"/>
-          </a:xfrm>
-          <a:prstGeom prst="rect">
-            <a:avLst/>
-          </a:prstGeom>
-        </p:spPr>
-      </p:pic>
+        <p:txBody>
+          <a:bodyPr wrap="square">
+            <a:spAutoFit/>
+          </a:bodyPr>
+          <a:lstStyle/>
+          <a:p>
+            <a:r>
+              <a:rPr lang="en-US" b="1" dirty="0">
+                <a:solidFill>
+                  <a:srgbClr val="000000"/>
+                </a:solidFill>
+                <a:latin typeface="&amp;quot"/>
+              </a:rPr>
+              <a:t>Resilient Distributed Datasets</a:t>
+            </a:r>
+            <a:r>
+              <a:rPr lang="en-US" dirty="0">
+                <a:solidFill>
+                  <a:srgbClr val="000000"/>
+                </a:solidFill>
+                <a:latin typeface="Helvetica Neue"/>
+              </a:rPr>
+              <a:t> or RDDs address this by enabling fault-tolerant, distributed, in-memory computations.</a:t>
+            </a:r>
+            <a:endParaRPr lang="en-US" dirty="0"/>
+          </a:p>
+        </p:txBody>
+      </p:sp>
     </p:spTree>
     <p:extLst>
       <p:ext uri="{BB962C8B-B14F-4D97-AF65-F5344CB8AC3E}">
@@ -4416,7 +4584,7 @@
         </p:blipFill>
         <p:spPr>
           <a:xfrm>
-            <a:off x="6504579" y="2344217"/>
+            <a:off x="6656979" y="3423717"/>
             <a:ext cx="4972050" cy="3067050"/>
           </a:xfrm>
           <a:prstGeom prst="rect">
@@ -4474,6 +4642,30 @@
           </a:prstGeom>
         </p:spPr>
       </p:pic>
+      <p:pic>
+        <p:nvPicPr>
+          <p:cNvPr id="6" name="Content Placeholder 4"/>
+          <p:cNvPicPr>
+            <a:picLocks noChangeAspect="1"/>
+          </p:cNvPicPr>
+          <p:nvPr/>
+        </p:nvPicPr>
+        <p:blipFill>
+          <a:blip r:embed="rId5"/>
+          <a:stretch>
+            <a:fillRect/>
+          </a:stretch>
+        </p:blipFill>
+        <p:spPr>
+          <a:xfrm>
+            <a:off x="6380759" y="881702"/>
+            <a:ext cx="4578742" cy="2375848"/>
+          </a:xfrm>
+          <a:prstGeom prst="rect">
+            <a:avLst/>
+          </a:prstGeom>
+        </p:spPr>
+      </p:pic>
     </p:spTree>
     <p:extLst>
       <p:ext uri="{BB962C8B-B14F-4D97-AF65-F5344CB8AC3E}">
@@ -4495,6 +4687,253 @@
 </file>
 
 <file path=ppt/slides/slide12.xml><?xml version="1.0" encoding="utf-8"?>
+<p:sld xmlns:a="http://schemas.openxmlformats.org/drawingml/2006/main" xmlns:r="http://schemas.openxmlformats.org/officeDocument/2006/relationships" xmlns:p="http://schemas.openxmlformats.org/presentationml/2006/main">
+  <p:cSld>
+    <p:spTree>
+      <p:nvGrpSpPr>
+        <p:cNvPr id="1" name=""/>
+        <p:cNvGrpSpPr/>
+        <p:nvPr/>
+      </p:nvGrpSpPr>
+      <p:grpSpPr>
+        <a:xfrm>
+          <a:off x="0" y="0"/>
+          <a:ext cx="0" cy="0"/>
+          <a:chOff x="0" y="0"/>
+          <a:chExt cx="0" cy="0"/>
+        </a:xfrm>
+      </p:grpSpPr>
+      <p:sp>
+        <p:nvSpPr>
+          <p:cNvPr id="2" name="Title 1"/>
+          <p:cNvSpPr>
+            <a:spLocks noGrp="1"/>
+          </p:cNvSpPr>
+          <p:nvPr>
+            <p:ph type="title"/>
+          </p:nvPr>
+        </p:nvSpPr>
+        <p:spPr/>
+        <p:txBody>
+          <a:bodyPr/>
+          <a:lstStyle/>
+          <a:p>
+            <a:r>
+              <a:rPr lang="en-US" dirty="0" smtClean="0"/>
+              <a:t>Demo: RDD</a:t>
+            </a:r>
+            <a:endParaRPr lang="en-US" dirty="0"/>
+          </a:p>
+        </p:txBody>
+      </p:sp>
+      <p:pic>
+        <p:nvPicPr>
+          <p:cNvPr id="7" name="Content Placeholder 6"/>
+          <p:cNvPicPr>
+            <a:picLocks noGrp="1" noChangeAspect="1"/>
+          </p:cNvPicPr>
+          <p:nvPr>
+            <p:ph idx="1"/>
+          </p:nvPr>
+        </p:nvPicPr>
+        <p:blipFill>
+          <a:blip r:embed="rId2"/>
+          <a:stretch>
+            <a:fillRect/>
+          </a:stretch>
+        </p:blipFill>
+        <p:spPr>
+          <a:xfrm>
+            <a:off x="838200" y="1772384"/>
+            <a:ext cx="6991350" cy="476250"/>
+          </a:xfrm>
+          <a:prstGeom prst="rect">
+            <a:avLst/>
+          </a:prstGeom>
+        </p:spPr>
+      </p:pic>
+      <p:sp>
+        <p:nvSpPr>
+          <p:cNvPr id="8" name="Rectangle 7"/>
+          <p:cNvSpPr/>
+          <p:nvPr/>
+        </p:nvSpPr>
+        <p:spPr>
+          <a:xfrm>
+            <a:off x="3925887" y="1376244"/>
+            <a:ext cx="7962900" cy="369332"/>
+          </a:xfrm>
+          <a:prstGeom prst="rect">
+            <a:avLst/>
+          </a:prstGeom>
+        </p:spPr>
+        <p:txBody>
+          <a:bodyPr wrap="square">
+            <a:spAutoFit/>
+          </a:bodyPr>
+          <a:lstStyle/>
+          <a:p>
+            <a:r>
+              <a:rPr lang="en-US" dirty="0">
+                <a:solidFill>
+                  <a:srgbClr val="000000"/>
+                </a:solidFill>
+                <a:latin typeface="Helvetica Neue"/>
+              </a:rPr>
+              <a:t>RDDs can be created from stable storage or by transforming other RDDs.</a:t>
+            </a:r>
+            <a:endParaRPr lang="en-US" dirty="0"/>
+          </a:p>
+        </p:txBody>
+      </p:sp>
+      <p:pic>
+        <p:nvPicPr>
+          <p:cNvPr id="9" name="Picture 8"/>
+          <p:cNvPicPr>
+            <a:picLocks noChangeAspect="1"/>
+          </p:cNvPicPr>
+          <p:nvPr/>
+        </p:nvPicPr>
+        <p:blipFill>
+          <a:blip r:embed="rId3"/>
+          <a:stretch>
+            <a:fillRect/>
+          </a:stretch>
+        </p:blipFill>
+        <p:spPr>
+          <a:xfrm>
+            <a:off x="838200" y="3081337"/>
+            <a:ext cx="5613400" cy="3719813"/>
+          </a:xfrm>
+          <a:prstGeom prst="rect">
+            <a:avLst/>
+          </a:prstGeom>
+        </p:spPr>
+      </p:pic>
+      <p:pic>
+        <p:nvPicPr>
+          <p:cNvPr id="10" name="Picture 9"/>
+          <p:cNvPicPr>
+            <a:picLocks noChangeAspect="1"/>
+          </p:cNvPicPr>
+          <p:nvPr/>
+        </p:nvPicPr>
+        <p:blipFill>
+          <a:blip r:embed="rId4"/>
+          <a:stretch>
+            <a:fillRect/>
+          </a:stretch>
+        </p:blipFill>
+        <p:spPr>
+          <a:xfrm>
+            <a:off x="6708994" y="4207175"/>
+            <a:ext cx="5179793" cy="2593975"/>
+          </a:xfrm>
+          <a:prstGeom prst="rect">
+            <a:avLst/>
+          </a:prstGeom>
+        </p:spPr>
+      </p:pic>
+      <p:sp>
+        <p:nvSpPr>
+          <p:cNvPr id="11" name="Rectangle 10"/>
+          <p:cNvSpPr/>
+          <p:nvPr/>
+        </p:nvSpPr>
+        <p:spPr>
+          <a:xfrm>
+            <a:off x="2057400" y="2378641"/>
+            <a:ext cx="8356600" cy="646331"/>
+          </a:xfrm>
+          <a:prstGeom prst="rect">
+            <a:avLst/>
+          </a:prstGeom>
+        </p:spPr>
+        <p:txBody>
+          <a:bodyPr wrap="square">
+            <a:spAutoFit/>
+          </a:bodyPr>
+          <a:lstStyle/>
+          <a:p>
+            <a:r>
+              <a:rPr lang="en-US" b="1" dirty="0">
+                <a:solidFill>
+                  <a:srgbClr val="000000"/>
+                </a:solidFill>
+                <a:latin typeface="&amp;quot"/>
+              </a:rPr>
+              <a:t>Transformations</a:t>
+            </a:r>
+            <a:r>
+              <a:rPr lang="en-US" dirty="0">
+                <a:solidFill>
+                  <a:srgbClr val="000000"/>
+                </a:solidFill>
+                <a:latin typeface="Helvetica Neue"/>
+              </a:rPr>
+              <a:t> create a new dataset from an existing one. Transformations are lazy, meaning that no transformation is executed until you execute an action.</a:t>
+            </a:r>
+            <a:endParaRPr lang="en-US" dirty="0"/>
+          </a:p>
+        </p:txBody>
+      </p:sp>
+      <p:sp>
+        <p:nvSpPr>
+          <p:cNvPr id="12" name="Rectangle 11"/>
+          <p:cNvSpPr/>
+          <p:nvPr/>
+        </p:nvSpPr>
+        <p:spPr>
+          <a:xfrm>
+            <a:off x="6708993" y="3292908"/>
+            <a:ext cx="5179793" cy="646331"/>
+          </a:xfrm>
+          <a:prstGeom prst="rect">
+            <a:avLst/>
+          </a:prstGeom>
+        </p:spPr>
+        <p:txBody>
+          <a:bodyPr wrap="square">
+            <a:spAutoFit/>
+          </a:bodyPr>
+          <a:lstStyle/>
+          <a:p>
+            <a:r>
+              <a:rPr lang="en-US" b="1">
+                <a:solidFill>
+                  <a:srgbClr val="000000"/>
+                </a:solidFill>
+                <a:latin typeface="&amp;quot"/>
+              </a:rPr>
+              <a:t>Actions</a:t>
+            </a:r>
+            <a:r>
+              <a:rPr lang="en-US">
+                <a:solidFill>
+                  <a:srgbClr val="000000"/>
+                </a:solidFill>
+                <a:latin typeface="Helvetica Neue"/>
+              </a:rPr>
+              <a:t> return a value to the driver program after running a computation on the dataset.</a:t>
+            </a:r>
+            <a:endParaRPr lang="en-US"/>
+          </a:p>
+        </p:txBody>
+      </p:sp>
+    </p:spTree>
+    <p:extLst>
+      <p:ext uri="{BB962C8B-B14F-4D97-AF65-F5344CB8AC3E}">
+        <p14:creationId xmlns:p14="http://schemas.microsoft.com/office/powerpoint/2010/main" val="4217400034"/>
+      </p:ext>
+    </p:extLst>
+  </p:cSld>
+  <p:clrMapOvr>
+    <a:masterClrMapping/>
+  </p:clrMapOvr>
+</p:sld>
+</file>
+
+<file path=ppt/slides/slide13.xml><?xml version="1.0" encoding="utf-8"?>
 <p:sld xmlns:a="http://schemas.openxmlformats.org/drawingml/2006/main" xmlns:r="http://schemas.openxmlformats.org/officeDocument/2006/relationships" xmlns:p="http://schemas.openxmlformats.org/presentationml/2006/main">
   <p:cSld>
     <p:spTree>
@@ -8261,7 +8700,7 @@
 </p:sld>
 </file>
 
-<file path=ppt/slides/slide13.xml><?xml version="1.0" encoding="utf-8"?>
+<file path=ppt/slides/slide14.xml><?xml version="1.0" encoding="utf-8"?>
 <p:sld xmlns:a="http://schemas.openxmlformats.org/drawingml/2006/main" xmlns:r="http://schemas.openxmlformats.org/officeDocument/2006/relationships" xmlns:p="http://schemas.openxmlformats.org/presentationml/2006/main">
   <p:cSld>
     <p:spTree>
@@ -8340,7 +8779,7 @@
 </p:sld>
 </file>
 
-<file path=ppt/slides/slide14.xml><?xml version="1.0" encoding="utf-8"?>
+<file path=ppt/slides/slide15.xml><?xml version="1.0" encoding="utf-8"?>
 <p:sld xmlns:a="http://schemas.openxmlformats.org/drawingml/2006/main" xmlns:r="http://schemas.openxmlformats.org/officeDocument/2006/relationships" xmlns:p="http://schemas.openxmlformats.org/presentationml/2006/main">
   <p:cSld>
     <p:spTree>
@@ -10066,7 +10505,7 @@
 </p:sld>
 </file>
 
-<file path=ppt/slides/slide15.xml><?xml version="1.0" encoding="utf-8"?>
+<file path=ppt/slides/slide16.xml><?xml version="1.0" encoding="utf-8"?>
 <p:sld xmlns:a="http://schemas.openxmlformats.org/drawingml/2006/main" xmlns:r="http://schemas.openxmlformats.org/officeDocument/2006/relationships" xmlns:p="http://schemas.openxmlformats.org/presentationml/2006/main">
   <p:cSld>
     <p:spTree>
@@ -10145,7 +10584,7 @@
 </p:sld>
 </file>
 
-<file path=ppt/slides/slide16.xml><?xml version="1.0" encoding="utf-8"?>
+<file path=ppt/slides/slide17.xml><?xml version="1.0" encoding="utf-8"?>
 <p:sld xmlns:a="http://schemas.openxmlformats.org/drawingml/2006/main" xmlns:r="http://schemas.openxmlformats.org/officeDocument/2006/relationships" xmlns:p="http://schemas.openxmlformats.org/presentationml/2006/main">
   <p:cSld>
     <p:spTree>
@@ -10179,11 +10618,7 @@
           <a:p>
             <a:r>
               <a:rPr lang="en-US" dirty="0" smtClean="0"/>
-              <a:t>Spark </a:t>
-            </a:r>
-            <a:r>
-              <a:rPr lang="en-US" dirty="0" smtClean="0"/>
-              <a:t>SQL Operations</a:t>
+              <a:t>Spark SQL Operations</a:t>
             </a:r>
             <a:endParaRPr lang="en-US" dirty="0"/>
           </a:p>
@@ -10235,7 +10670,245 @@
 </p:sld>
 </file>
 
-<file path=ppt/slides/slide17.xml><?xml version="1.0" encoding="utf-8"?>
+<file path=ppt/slides/slide18.xml><?xml version="1.0" encoding="utf-8"?>
+<p:sld xmlns:a="http://schemas.openxmlformats.org/drawingml/2006/main" xmlns:r="http://schemas.openxmlformats.org/officeDocument/2006/relationships" xmlns:p="http://schemas.openxmlformats.org/presentationml/2006/main">
+  <p:cSld>
+    <p:spTree>
+      <p:nvGrpSpPr>
+        <p:cNvPr id="1" name=""/>
+        <p:cNvGrpSpPr/>
+        <p:nvPr/>
+      </p:nvGrpSpPr>
+      <p:grpSpPr>
+        <a:xfrm>
+          <a:off x="0" y="0"/>
+          <a:ext cx="0" cy="0"/>
+          <a:chOff x="0" y="0"/>
+          <a:chExt cx="0" cy="0"/>
+        </a:xfrm>
+      </p:grpSpPr>
+      <p:sp>
+        <p:nvSpPr>
+          <p:cNvPr id="2" name="Title 1"/>
+          <p:cNvSpPr>
+            <a:spLocks noGrp="1"/>
+          </p:cNvSpPr>
+          <p:nvPr>
+            <p:ph type="title"/>
+          </p:nvPr>
+        </p:nvSpPr>
+        <p:spPr/>
+        <p:txBody>
+          <a:bodyPr/>
+          <a:lstStyle/>
+          <a:p>
+            <a:r>
+              <a:rPr lang="en-US" dirty="0" smtClean="0"/>
+              <a:t>Demo: DataFrame and SQL</a:t>
+            </a:r>
+            <a:endParaRPr lang="en-US" dirty="0"/>
+          </a:p>
+        </p:txBody>
+      </p:sp>
+      <p:pic>
+        <p:nvPicPr>
+          <p:cNvPr id="4" name="Picture 3"/>
+          <p:cNvPicPr>
+            <a:picLocks noChangeAspect="1"/>
+          </p:cNvPicPr>
+          <p:nvPr/>
+        </p:nvPicPr>
+        <p:blipFill>
+          <a:blip r:embed="rId2"/>
+          <a:stretch>
+            <a:fillRect/>
+          </a:stretch>
+        </p:blipFill>
+        <p:spPr>
+          <a:xfrm>
+            <a:off x="838200" y="1931988"/>
+            <a:ext cx="9153525" cy="409575"/>
+          </a:xfrm>
+          <a:prstGeom prst="rect">
+            <a:avLst/>
+          </a:prstGeom>
+        </p:spPr>
+      </p:pic>
+      <p:sp>
+        <p:nvSpPr>
+          <p:cNvPr id="5" name="Rectangle 4"/>
+          <p:cNvSpPr/>
+          <p:nvPr/>
+        </p:nvSpPr>
+        <p:spPr>
+          <a:xfrm>
+            <a:off x="5801186" y="1595161"/>
+            <a:ext cx="5493876" cy="369332"/>
+          </a:xfrm>
+          <a:prstGeom prst="rect">
+            <a:avLst/>
+          </a:prstGeom>
+        </p:spPr>
+        <p:txBody>
+          <a:bodyPr wrap="none">
+            <a:spAutoFit/>
+          </a:bodyPr>
+          <a:lstStyle/>
+          <a:p>
+            <a:r>
+              <a:rPr lang="en-US" dirty="0">
+                <a:solidFill>
+                  <a:srgbClr val="000000"/>
+                </a:solidFill>
+                <a:latin typeface="Helvetica Neue"/>
+              </a:rPr>
+              <a:t>create a </a:t>
+            </a:r>
+            <a:r>
+              <a:rPr lang="en-US" dirty="0" err="1">
+                <a:solidFill>
+                  <a:srgbClr val="000000"/>
+                </a:solidFill>
+                <a:latin typeface="Helvetica Neue"/>
+              </a:rPr>
+              <a:t>dataframe</a:t>
+            </a:r>
+            <a:r>
+              <a:rPr lang="en-US" dirty="0">
+                <a:solidFill>
+                  <a:srgbClr val="000000"/>
+                </a:solidFill>
+                <a:latin typeface="Helvetica Neue"/>
+              </a:rPr>
+              <a:t> from a CSV file as shown below.</a:t>
+            </a:r>
+            <a:endParaRPr lang="en-US" dirty="0"/>
+          </a:p>
+        </p:txBody>
+      </p:sp>
+      <p:pic>
+        <p:nvPicPr>
+          <p:cNvPr id="6" name="Picture 5"/>
+          <p:cNvPicPr>
+            <a:picLocks noChangeAspect="1"/>
+          </p:cNvPicPr>
+          <p:nvPr/>
+        </p:nvPicPr>
+        <p:blipFill>
+          <a:blip r:embed="rId3"/>
+          <a:stretch>
+            <a:fillRect/>
+          </a:stretch>
+        </p:blipFill>
+        <p:spPr>
+          <a:xfrm>
+            <a:off x="904312" y="2398197"/>
+            <a:ext cx="5385779" cy="4459803"/>
+          </a:xfrm>
+          <a:prstGeom prst="rect">
+            <a:avLst/>
+          </a:prstGeom>
+        </p:spPr>
+      </p:pic>
+      <p:pic>
+        <p:nvPicPr>
+          <p:cNvPr id="7" name="Picture 6"/>
+          <p:cNvPicPr>
+            <a:picLocks noChangeAspect="1"/>
+          </p:cNvPicPr>
+          <p:nvPr/>
+        </p:nvPicPr>
+        <p:blipFill>
+          <a:blip r:embed="rId4"/>
+          <a:stretch>
+            <a:fillRect/>
+          </a:stretch>
+        </p:blipFill>
+        <p:spPr>
+          <a:xfrm>
+            <a:off x="6865937" y="4035425"/>
+            <a:ext cx="4429125" cy="1657350"/>
+          </a:xfrm>
+          <a:prstGeom prst="rect">
+            <a:avLst/>
+          </a:prstGeom>
+        </p:spPr>
+      </p:pic>
+      <p:sp>
+        <p:nvSpPr>
+          <p:cNvPr id="8" name="Rectangle 7"/>
+          <p:cNvSpPr/>
+          <p:nvPr/>
+        </p:nvSpPr>
+        <p:spPr>
+          <a:xfrm>
+            <a:off x="6865937" y="2927429"/>
+            <a:ext cx="4429126" cy="923330"/>
+          </a:xfrm>
+          <a:prstGeom prst="rect">
+            <a:avLst/>
+          </a:prstGeom>
+        </p:spPr>
+        <p:txBody>
+          <a:bodyPr wrap="square">
+            <a:spAutoFit/>
+          </a:bodyPr>
+          <a:lstStyle/>
+          <a:p>
+            <a:r>
+              <a:rPr lang="en-US" dirty="0">
+                <a:solidFill>
+                  <a:srgbClr val="000000"/>
+                </a:solidFill>
+                <a:latin typeface="Helvetica Neue"/>
+              </a:rPr>
+              <a:t>run SQL queries over </a:t>
+            </a:r>
+            <a:r>
+              <a:rPr lang="en-US" dirty="0" err="1">
+                <a:solidFill>
+                  <a:srgbClr val="000000"/>
+                </a:solidFill>
+                <a:latin typeface="Helvetica Neue"/>
+              </a:rPr>
+              <a:t>dataframes</a:t>
+            </a:r>
+            <a:r>
+              <a:rPr lang="en-US" dirty="0">
+                <a:solidFill>
+                  <a:srgbClr val="000000"/>
+                </a:solidFill>
+                <a:latin typeface="Helvetica Neue"/>
+              </a:rPr>
+              <a:t> once you register them as temporary tables within the </a:t>
+            </a:r>
+            <a:r>
+              <a:rPr lang="en-US" dirty="0" err="1">
+                <a:solidFill>
+                  <a:srgbClr val="000000"/>
+                </a:solidFill>
+                <a:latin typeface="Helvetica Neue"/>
+              </a:rPr>
+              <a:t>SparkSession</a:t>
+            </a:r>
+            <a:endParaRPr lang="en-US" dirty="0"/>
+          </a:p>
+        </p:txBody>
+      </p:sp>
+    </p:spTree>
+    <p:extLst>
+      <p:ext uri="{BB962C8B-B14F-4D97-AF65-F5344CB8AC3E}">
+        <p14:creationId xmlns:p14="http://schemas.microsoft.com/office/powerpoint/2010/main" val="1463080283"/>
+      </p:ext>
+    </p:extLst>
+  </p:cSld>
+  <p:clrMapOvr>
+    <a:masterClrMapping/>
+  </p:clrMapOvr>
+</p:sld>
+</file>
+
+<file path=ppt/slides/slide19.xml><?xml version="1.0" encoding="utf-8"?>
 <p:sld xmlns:a="http://schemas.openxmlformats.org/drawingml/2006/main" xmlns:r="http://schemas.openxmlformats.org/officeDocument/2006/relationships" xmlns:p="http://schemas.openxmlformats.org/presentationml/2006/main">
   <p:cSld>
     <p:spTree>
@@ -10347,7 +11020,146 @@
 </p:sld>
 </file>
 
-<file path=ppt/slides/slide18.xml><?xml version="1.0" encoding="utf-8"?>
+<file path=ppt/slides/slide2.xml><?xml version="1.0" encoding="utf-8"?>
+<p:sld xmlns:a="http://schemas.openxmlformats.org/drawingml/2006/main" xmlns:r="http://schemas.openxmlformats.org/officeDocument/2006/relationships" xmlns:p="http://schemas.openxmlformats.org/presentationml/2006/main">
+  <p:cSld>
+    <p:spTree>
+      <p:nvGrpSpPr>
+        <p:cNvPr id="1" name=""/>
+        <p:cNvGrpSpPr/>
+        <p:nvPr/>
+      </p:nvGrpSpPr>
+      <p:grpSpPr>
+        <a:xfrm>
+          <a:off x="0" y="0"/>
+          <a:ext cx="0" cy="0"/>
+          <a:chOff x="0" y="0"/>
+          <a:chExt cx="0" cy="0"/>
+        </a:xfrm>
+      </p:grpSpPr>
+      <p:sp>
+        <p:nvSpPr>
+          <p:cNvPr id="2" name="Title 1"/>
+          <p:cNvSpPr>
+            <a:spLocks noGrp="1"/>
+          </p:cNvSpPr>
+          <p:nvPr>
+            <p:ph type="ctrTitle"/>
+          </p:nvPr>
+        </p:nvSpPr>
+        <p:spPr/>
+        <p:txBody>
+          <a:bodyPr>
+            <a:normAutofit fontScale="90000"/>
+          </a:bodyPr>
+          <a:lstStyle/>
+          <a:p>
+            <a:r>
+              <a:rPr lang="en-US" dirty="0" smtClean="0"/>
+              <a:t>Getting Started with </a:t>
+            </a:r>
+            <a:br>
+              <a:rPr lang="en-US" dirty="0" smtClean="0"/>
+            </a:br>
+            <a:r>
+              <a:rPr lang="en-US" dirty="0" smtClean="0"/>
+              <a:t>Machine Learning using Spark in Azure HDInsight</a:t>
+            </a:r>
+            <a:endParaRPr lang="en-US" dirty="0"/>
+          </a:p>
+        </p:txBody>
+      </p:sp>
+      <p:sp>
+        <p:nvSpPr>
+          <p:cNvPr id="3" name="Subtitle 2"/>
+          <p:cNvSpPr>
+            <a:spLocks noGrp="1"/>
+          </p:cNvSpPr>
+          <p:nvPr>
+            <p:ph type="subTitle" idx="1"/>
+          </p:nvPr>
+        </p:nvSpPr>
+        <p:spPr/>
+        <p:txBody>
+          <a:bodyPr/>
+          <a:lstStyle/>
+          <a:p>
+            <a:r>
+              <a:rPr lang="en-US" dirty="0" smtClean="0"/>
+              <a:t>Ingyu Lee</a:t>
+            </a:r>
+          </a:p>
+          <a:p>
+            <a:r>
+              <a:rPr lang="en-US" dirty="0" smtClean="0"/>
+              <a:t>Troy University</a:t>
+            </a:r>
+            <a:endParaRPr lang="en-US" dirty="0"/>
+          </a:p>
+        </p:txBody>
+      </p:sp>
+      <p:sp>
+        <p:nvSpPr>
+          <p:cNvPr id="4" name="Rectangle 3"/>
+          <p:cNvSpPr/>
+          <p:nvPr/>
+        </p:nvSpPr>
+        <p:spPr>
+          <a:xfrm>
+            <a:off x="3348890" y="5764250"/>
+            <a:ext cx="5936818" cy="369332"/>
+          </a:xfrm>
+          <a:prstGeom prst="rect">
+            <a:avLst/>
+          </a:prstGeom>
+        </p:spPr>
+        <p:txBody>
+          <a:bodyPr wrap="none">
+            <a:spAutoFit/>
+          </a:bodyPr>
+          <a:lstStyle/>
+          <a:p>
+            <a:r>
+              <a:rPr lang="en-US" dirty="0">
+                <a:hlinkClick r:id="rId2"/>
+              </a:rPr>
+              <a:t>https://</a:t>
+            </a:r>
+            <a:r>
+              <a:rPr lang="en-US" dirty="0" smtClean="0">
+                <a:hlinkClick r:id="rId2"/>
+              </a:rPr>
+              <a:t>github.com/Azure-Bootcamp-Troy/SparkOnHDInsight</a:t>
+            </a:r>
+            <a:r>
+              <a:rPr lang="en-US" dirty="0" smtClean="0"/>
+              <a:t> </a:t>
+            </a:r>
+            <a:endParaRPr lang="en-US" dirty="0"/>
+          </a:p>
+        </p:txBody>
+      </p:sp>
+    </p:spTree>
+    <p:extLst>
+      <p:ext uri="{BB962C8B-B14F-4D97-AF65-F5344CB8AC3E}">
+        <p14:creationId xmlns:p14="http://schemas.microsoft.com/office/powerpoint/2010/main" val="226847068"/>
+      </p:ext>
+    </p:extLst>
+  </p:cSld>
+  <p:clrMapOvr>
+    <a:masterClrMapping/>
+  </p:clrMapOvr>
+  <p:timing>
+    <p:tnLst>
+      <p:par>
+        <p:cTn id="1" dur="indefinite" restart="never" nodeType="tmRoot"/>
+      </p:par>
+    </p:tnLst>
+  </p:timing>
+</p:sld>
+</file>
+
+<file path=ppt/slides/slide20.xml><?xml version="1.0" encoding="utf-8"?>
 <p:sld xmlns:a="http://schemas.openxmlformats.org/drawingml/2006/main" xmlns:r="http://schemas.openxmlformats.org/officeDocument/2006/relationships" xmlns:p="http://schemas.openxmlformats.org/presentationml/2006/main">
   <p:cSld>
     <p:spTree>
@@ -10500,7 +11312,7 @@
 </p:sld>
 </file>
 
-<file path=ppt/slides/slide19.xml><?xml version="1.0" encoding="utf-8"?>
+<file path=ppt/slides/slide21.xml><?xml version="1.0" encoding="utf-8"?>
 <p:sld xmlns:a="http://schemas.openxmlformats.org/drawingml/2006/main" xmlns:r="http://schemas.openxmlformats.org/officeDocument/2006/relationships" xmlns:p="http://schemas.openxmlformats.org/presentationml/2006/main">
   <p:cSld>
     <p:spTree>
@@ -10804,146 +11616,7 @@
 </p:sld>
 </file>
 
-<file path=ppt/slides/slide2.xml><?xml version="1.0" encoding="utf-8"?>
-<p:sld xmlns:a="http://schemas.openxmlformats.org/drawingml/2006/main" xmlns:r="http://schemas.openxmlformats.org/officeDocument/2006/relationships" xmlns:p="http://schemas.openxmlformats.org/presentationml/2006/main">
-  <p:cSld>
-    <p:spTree>
-      <p:nvGrpSpPr>
-        <p:cNvPr id="1" name=""/>
-        <p:cNvGrpSpPr/>
-        <p:nvPr/>
-      </p:nvGrpSpPr>
-      <p:grpSpPr>
-        <a:xfrm>
-          <a:off x="0" y="0"/>
-          <a:ext cx="0" cy="0"/>
-          <a:chOff x="0" y="0"/>
-          <a:chExt cx="0" cy="0"/>
-        </a:xfrm>
-      </p:grpSpPr>
-      <p:sp>
-        <p:nvSpPr>
-          <p:cNvPr id="2" name="Title 1"/>
-          <p:cNvSpPr>
-            <a:spLocks noGrp="1"/>
-          </p:cNvSpPr>
-          <p:nvPr>
-            <p:ph type="ctrTitle"/>
-          </p:nvPr>
-        </p:nvSpPr>
-        <p:spPr/>
-        <p:txBody>
-          <a:bodyPr>
-            <a:normAutofit fontScale="90000"/>
-          </a:bodyPr>
-          <a:lstStyle/>
-          <a:p>
-            <a:r>
-              <a:rPr lang="en-US" dirty="0" smtClean="0"/>
-              <a:t>Getting Started with </a:t>
-            </a:r>
-            <a:br>
-              <a:rPr lang="en-US" dirty="0" smtClean="0"/>
-            </a:br>
-            <a:r>
-              <a:rPr lang="en-US" dirty="0" smtClean="0"/>
-              <a:t>Machine Learning using Spark in Azure HDInsight</a:t>
-            </a:r>
-            <a:endParaRPr lang="en-US" dirty="0"/>
-          </a:p>
-        </p:txBody>
-      </p:sp>
-      <p:sp>
-        <p:nvSpPr>
-          <p:cNvPr id="3" name="Subtitle 2"/>
-          <p:cNvSpPr>
-            <a:spLocks noGrp="1"/>
-          </p:cNvSpPr>
-          <p:nvPr>
-            <p:ph type="subTitle" idx="1"/>
-          </p:nvPr>
-        </p:nvSpPr>
-        <p:spPr/>
-        <p:txBody>
-          <a:bodyPr/>
-          <a:lstStyle/>
-          <a:p>
-            <a:r>
-              <a:rPr lang="en-US" dirty="0" smtClean="0"/>
-              <a:t>Ingyu Lee</a:t>
-            </a:r>
-          </a:p>
-          <a:p>
-            <a:r>
-              <a:rPr lang="en-US" dirty="0" smtClean="0"/>
-              <a:t>Troy University</a:t>
-            </a:r>
-            <a:endParaRPr lang="en-US" dirty="0"/>
-          </a:p>
-        </p:txBody>
-      </p:sp>
-      <p:sp>
-        <p:nvSpPr>
-          <p:cNvPr id="4" name="Rectangle 3"/>
-          <p:cNvSpPr/>
-          <p:nvPr/>
-        </p:nvSpPr>
-        <p:spPr>
-          <a:xfrm>
-            <a:off x="3348890" y="5764250"/>
-            <a:ext cx="5936818" cy="369332"/>
-          </a:xfrm>
-          <a:prstGeom prst="rect">
-            <a:avLst/>
-          </a:prstGeom>
-        </p:spPr>
-        <p:txBody>
-          <a:bodyPr wrap="none">
-            <a:spAutoFit/>
-          </a:bodyPr>
-          <a:lstStyle/>
-          <a:p>
-            <a:r>
-              <a:rPr lang="en-US" dirty="0">
-                <a:hlinkClick r:id="rId2"/>
-              </a:rPr>
-              <a:t>https://</a:t>
-            </a:r>
-            <a:r>
-              <a:rPr lang="en-US" dirty="0" smtClean="0">
-                <a:hlinkClick r:id="rId2"/>
-              </a:rPr>
-              <a:t>github.com/Azure-Bootcamp-Troy/SparkOnHDInsight</a:t>
-            </a:r>
-            <a:r>
-              <a:rPr lang="en-US" dirty="0" smtClean="0"/>
-              <a:t> </a:t>
-            </a:r>
-            <a:endParaRPr lang="en-US" dirty="0"/>
-          </a:p>
-        </p:txBody>
-      </p:sp>
-    </p:spTree>
-    <p:extLst>
-      <p:ext uri="{BB962C8B-B14F-4D97-AF65-F5344CB8AC3E}">
-        <p14:creationId xmlns:p14="http://schemas.microsoft.com/office/powerpoint/2010/main" val="226847068"/>
-      </p:ext>
-    </p:extLst>
-  </p:cSld>
-  <p:clrMapOvr>
-    <a:masterClrMapping/>
-  </p:clrMapOvr>
-  <p:timing>
-    <p:tnLst>
-      <p:par>
-        <p:cTn id="1" dur="indefinite" restart="never" nodeType="tmRoot"/>
-      </p:par>
-    </p:tnLst>
-  </p:timing>
-</p:sld>
-</file>
-
-<file path=ppt/slides/slide20.xml><?xml version="1.0" encoding="utf-8"?>
+<file path=ppt/slides/slide22.xml><?xml version="1.0" encoding="utf-8"?>
 <p:sld xmlns:a="http://schemas.openxmlformats.org/drawingml/2006/main" xmlns:r="http://schemas.openxmlformats.org/officeDocument/2006/relationships" xmlns:p="http://schemas.openxmlformats.org/presentationml/2006/main">
   <p:cSld>
     <p:spTree>
@@ -11029,7 +11702,7 @@
 </p:sld>
 </file>
 
-<file path=ppt/slides/slide21.xml><?xml version="1.0" encoding="utf-8"?>
+<file path=ppt/slides/slide23.xml><?xml version="1.0" encoding="utf-8"?>
 <p:sld xmlns:a="http://schemas.openxmlformats.org/drawingml/2006/main" xmlns:r="http://schemas.openxmlformats.org/officeDocument/2006/relationships" xmlns:p="http://schemas.openxmlformats.org/presentationml/2006/main">
   <p:cSld>
     <p:spTree>
@@ -11189,7 +11862,7 @@
 </p:sld>
 </file>
 
-<file path=ppt/slides/slide22.xml><?xml version="1.0" encoding="utf-8"?>
+<file path=ppt/slides/slide24.xml><?xml version="1.0" encoding="utf-8"?>
 <p:sld xmlns:a="http://schemas.openxmlformats.org/drawingml/2006/main" xmlns:r="http://schemas.openxmlformats.org/officeDocument/2006/relationships" xmlns:p="http://schemas.openxmlformats.org/presentationml/2006/main">
   <p:cSld>
     <p:spTree>
@@ -11304,598 +11977,6 @@
 </p:sld>
 </file>
 
-<file path=ppt/slides/slide23.xml><?xml version="1.0" encoding="utf-8"?>
-<p:sld xmlns:a="http://schemas.openxmlformats.org/drawingml/2006/main" xmlns:r="http://schemas.openxmlformats.org/officeDocument/2006/relationships" xmlns:p="http://schemas.openxmlformats.org/presentationml/2006/main">
-  <p:cSld>
-    <p:spTree>
-      <p:nvGrpSpPr>
-        <p:cNvPr id="1" name=""/>
-        <p:cNvGrpSpPr/>
-        <p:nvPr/>
-      </p:nvGrpSpPr>
-      <p:grpSpPr>
-        <a:xfrm>
-          <a:off x="0" y="0"/>
-          <a:ext cx="0" cy="0"/>
-          <a:chOff x="0" y="0"/>
-          <a:chExt cx="0" cy="0"/>
-        </a:xfrm>
-      </p:grpSpPr>
-      <p:sp>
-        <p:nvSpPr>
-          <p:cNvPr id="2" name="Title 1"/>
-          <p:cNvSpPr>
-            <a:spLocks noGrp="1"/>
-          </p:cNvSpPr>
-          <p:nvPr>
-            <p:ph type="title"/>
-          </p:nvPr>
-        </p:nvSpPr>
-        <p:spPr/>
-        <p:txBody>
-          <a:bodyPr/>
-          <a:lstStyle/>
-          <a:p>
-            <a:r>
-              <a:rPr lang="en-US" dirty="0" smtClean="0"/>
-              <a:t>Examples: Classification</a:t>
-            </a:r>
-            <a:endParaRPr lang="en-US" dirty="0"/>
-          </a:p>
-        </p:txBody>
-      </p:sp>
-      <p:pic>
-        <p:nvPicPr>
-          <p:cNvPr id="7" name="Content Placeholder 6"/>
-          <p:cNvPicPr>
-            <a:picLocks noGrp="1" noChangeAspect="1"/>
-          </p:cNvPicPr>
-          <p:nvPr>
-            <p:ph sz="half" idx="1"/>
-          </p:nvPr>
-        </p:nvPicPr>
-        <p:blipFill>
-          <a:blip r:embed="rId3"/>
-          <a:stretch>
-            <a:fillRect/>
-          </a:stretch>
-        </p:blipFill>
-        <p:spPr>
-          <a:xfrm>
-            <a:off x="564633" y="1406842"/>
-            <a:ext cx="4381500" cy="1828800"/>
-          </a:xfrm>
-          <a:prstGeom prst="rect">
-            <a:avLst/>
-          </a:prstGeom>
-        </p:spPr>
-      </p:pic>
-      <p:pic>
-        <p:nvPicPr>
-          <p:cNvPr id="8" name="Picture 7"/>
-          <p:cNvPicPr>
-            <a:picLocks noChangeAspect="1"/>
-          </p:cNvPicPr>
-          <p:nvPr/>
-        </p:nvPicPr>
-        <p:blipFill>
-          <a:blip r:embed="rId4"/>
-          <a:stretch>
-            <a:fillRect/>
-          </a:stretch>
-        </p:blipFill>
-        <p:spPr>
-          <a:xfrm>
-            <a:off x="564633" y="3443917"/>
-            <a:ext cx="5924550" cy="1762125"/>
-          </a:xfrm>
-          <a:prstGeom prst="rect">
-            <a:avLst/>
-          </a:prstGeom>
-        </p:spPr>
-      </p:pic>
-      <p:pic>
-        <p:nvPicPr>
-          <p:cNvPr id="9" name="Picture 8"/>
-          <p:cNvPicPr>
-            <a:picLocks noChangeAspect="1"/>
-          </p:cNvPicPr>
-          <p:nvPr/>
-        </p:nvPicPr>
-        <p:blipFill>
-          <a:blip r:embed="rId5"/>
-          <a:stretch>
-            <a:fillRect/>
-          </a:stretch>
-        </p:blipFill>
-        <p:spPr>
-          <a:xfrm>
-            <a:off x="5053899" y="1375147"/>
-            <a:ext cx="6905625" cy="1809750"/>
-          </a:xfrm>
-          <a:prstGeom prst="rect">
-            <a:avLst/>
-          </a:prstGeom>
-        </p:spPr>
-      </p:pic>
-      <p:pic>
-        <p:nvPicPr>
-          <p:cNvPr id="10" name="Picture 9"/>
-          <p:cNvPicPr>
-            <a:picLocks noChangeAspect="1"/>
-          </p:cNvPicPr>
-          <p:nvPr/>
-        </p:nvPicPr>
-        <p:blipFill>
-          <a:blip r:embed="rId6"/>
-          <a:stretch>
-            <a:fillRect/>
-          </a:stretch>
-        </p:blipFill>
-        <p:spPr>
-          <a:xfrm>
-            <a:off x="6806056" y="3584947"/>
-            <a:ext cx="5057775" cy="1362075"/>
-          </a:xfrm>
-          <a:prstGeom prst="rect">
-            <a:avLst/>
-          </a:prstGeom>
-        </p:spPr>
-      </p:pic>
-      <p:pic>
-        <p:nvPicPr>
-          <p:cNvPr id="11" name="Picture 10"/>
-          <p:cNvPicPr>
-            <a:picLocks noChangeAspect="1"/>
-          </p:cNvPicPr>
-          <p:nvPr/>
-        </p:nvPicPr>
-        <p:blipFill>
-          <a:blip r:embed="rId7"/>
-          <a:stretch>
-            <a:fillRect/>
-          </a:stretch>
-        </p:blipFill>
-        <p:spPr>
-          <a:xfrm>
-            <a:off x="3262756" y="5206042"/>
-            <a:ext cx="8601075" cy="1571625"/>
-          </a:xfrm>
-          <a:prstGeom prst="rect">
-            <a:avLst/>
-          </a:prstGeom>
-        </p:spPr>
-      </p:pic>
-      <p:sp>
-        <p:nvSpPr>
-          <p:cNvPr id="12" name="Rectangle 11"/>
-          <p:cNvSpPr/>
-          <p:nvPr/>
-        </p:nvSpPr>
-        <p:spPr>
-          <a:xfrm>
-            <a:off x="3949258" y="3467456"/>
-            <a:ext cx="2146742" cy="369332"/>
-          </a:xfrm>
-          <a:prstGeom prst="rect">
-            <a:avLst/>
-          </a:prstGeom>
-        </p:spPr>
-        <p:txBody>
-          <a:bodyPr wrap="none">
-            <a:spAutoFit/>
-          </a:bodyPr>
-          <a:lstStyle/>
-          <a:p>
-            <a:r>
-              <a:rPr lang="en-US" b="1" dirty="0">
-                <a:solidFill>
-                  <a:srgbClr val="000000"/>
-                </a:solidFill>
-                <a:latin typeface="Helvetica Neue"/>
-              </a:rPr>
-              <a:t>Load Source Data</a:t>
-            </a:r>
-            <a:endParaRPr lang="en-US" b="1" i="0" dirty="0">
-              <a:solidFill>
-                <a:srgbClr val="000000"/>
-              </a:solidFill>
-              <a:effectLst/>
-              <a:latin typeface="Helvetica Neue"/>
-            </a:endParaRPr>
-          </a:p>
-        </p:txBody>
-      </p:sp>
-      <p:sp>
-        <p:nvSpPr>
-          <p:cNvPr id="13" name="Rectangle 12"/>
-          <p:cNvSpPr/>
-          <p:nvPr/>
-        </p:nvSpPr>
-        <p:spPr>
-          <a:xfrm>
-            <a:off x="9638161" y="1107269"/>
-            <a:ext cx="2018501" cy="369332"/>
-          </a:xfrm>
-          <a:prstGeom prst="rect">
-            <a:avLst/>
-          </a:prstGeom>
-        </p:spPr>
-        <p:txBody>
-          <a:bodyPr wrap="none">
-            <a:spAutoFit/>
-          </a:bodyPr>
-          <a:lstStyle/>
-          <a:p>
-            <a:r>
-              <a:rPr lang="en-US" b="1" dirty="0" smtClean="0">
-                <a:solidFill>
-                  <a:srgbClr val="000000"/>
-                </a:solidFill>
-                <a:latin typeface="Helvetica Neue"/>
-              </a:rPr>
-              <a:t>Prepare the Data</a:t>
-            </a:r>
-            <a:endParaRPr lang="en-US" b="1" i="0" dirty="0">
-              <a:solidFill>
-                <a:srgbClr val="000000"/>
-              </a:solidFill>
-              <a:effectLst/>
-              <a:latin typeface="Helvetica Neue"/>
-            </a:endParaRPr>
-          </a:p>
-        </p:txBody>
-      </p:sp>
-      <p:sp>
-        <p:nvSpPr>
-          <p:cNvPr id="14" name="Rectangle 13"/>
-          <p:cNvSpPr/>
-          <p:nvPr/>
-        </p:nvSpPr>
-        <p:spPr>
-          <a:xfrm>
-            <a:off x="10269638" y="3218959"/>
-            <a:ext cx="1659429" cy="369332"/>
-          </a:xfrm>
-          <a:prstGeom prst="rect">
-            <a:avLst/>
-          </a:prstGeom>
-        </p:spPr>
-        <p:txBody>
-          <a:bodyPr wrap="none">
-            <a:spAutoFit/>
-          </a:bodyPr>
-          <a:lstStyle/>
-          <a:p>
-            <a:r>
-              <a:rPr lang="en-US" b="1" dirty="0">
-                <a:solidFill>
-                  <a:srgbClr val="000000"/>
-                </a:solidFill>
-                <a:latin typeface="Helvetica Neue"/>
-              </a:rPr>
-              <a:t>Split the Data</a:t>
-            </a:r>
-            <a:endParaRPr lang="en-US" b="1" i="0" dirty="0">
-              <a:solidFill>
-                <a:srgbClr val="000000"/>
-              </a:solidFill>
-              <a:effectLst/>
-              <a:latin typeface="Helvetica Neue"/>
-            </a:endParaRPr>
-          </a:p>
-        </p:txBody>
-      </p:sp>
-      <p:sp>
-        <p:nvSpPr>
-          <p:cNvPr id="15" name="Rectangle 14"/>
-          <p:cNvSpPr/>
-          <p:nvPr/>
-        </p:nvSpPr>
-        <p:spPr>
-          <a:xfrm>
-            <a:off x="7476607" y="6221450"/>
-            <a:ext cx="2980368" cy="369332"/>
-          </a:xfrm>
-          <a:prstGeom prst="rect">
-            <a:avLst/>
-          </a:prstGeom>
-        </p:spPr>
-        <p:txBody>
-          <a:bodyPr wrap="none">
-            <a:spAutoFit/>
-          </a:bodyPr>
-          <a:lstStyle/>
-          <a:p>
-            <a:r>
-              <a:rPr lang="en-US" b="1" dirty="0">
-                <a:solidFill>
-                  <a:srgbClr val="000000"/>
-                </a:solidFill>
-                <a:latin typeface="Helvetica Neue"/>
-              </a:rPr>
-              <a:t>Prepare the Training Data</a:t>
-            </a:r>
-            <a:endParaRPr lang="en-US" b="1" i="0" dirty="0">
-              <a:solidFill>
-                <a:srgbClr val="000000"/>
-              </a:solidFill>
-              <a:effectLst/>
-              <a:latin typeface="Helvetica Neue"/>
-            </a:endParaRPr>
-          </a:p>
-        </p:txBody>
-      </p:sp>
-    </p:spTree>
-    <p:extLst>
-      <p:ext uri="{BB962C8B-B14F-4D97-AF65-F5344CB8AC3E}">
-        <p14:creationId xmlns:p14="http://schemas.microsoft.com/office/powerpoint/2010/main" val="1981984229"/>
-      </p:ext>
-    </p:extLst>
-  </p:cSld>
-  <p:clrMapOvr>
-    <a:masterClrMapping/>
-  </p:clrMapOvr>
-  <p:timing>
-    <p:tnLst>
-      <p:par>
-        <p:cTn id="1" dur="indefinite" restart="never" nodeType="tmRoot"/>
-      </p:par>
-    </p:tnLst>
-  </p:timing>
-</p:sld>
-</file>
-
-<file path=ppt/slides/slide24.xml><?xml version="1.0" encoding="utf-8"?>
-<p:sld xmlns:a="http://schemas.openxmlformats.org/drawingml/2006/main" xmlns:r="http://schemas.openxmlformats.org/officeDocument/2006/relationships" xmlns:p="http://schemas.openxmlformats.org/presentationml/2006/main">
-  <p:cSld>
-    <p:spTree>
-      <p:nvGrpSpPr>
-        <p:cNvPr id="1" name=""/>
-        <p:cNvGrpSpPr/>
-        <p:nvPr/>
-      </p:nvGrpSpPr>
-      <p:grpSpPr>
-        <a:xfrm>
-          <a:off x="0" y="0"/>
-          <a:ext cx="0" cy="0"/>
-          <a:chOff x="0" y="0"/>
-          <a:chExt cx="0" cy="0"/>
-        </a:xfrm>
-      </p:grpSpPr>
-      <p:sp>
-        <p:nvSpPr>
-          <p:cNvPr id="2" name="Title 1"/>
-          <p:cNvSpPr>
-            <a:spLocks noGrp="1"/>
-          </p:cNvSpPr>
-          <p:nvPr>
-            <p:ph type="title"/>
-          </p:nvPr>
-        </p:nvSpPr>
-        <p:spPr/>
-        <p:txBody>
-          <a:bodyPr/>
-          <a:lstStyle/>
-          <a:p>
-            <a:r>
-              <a:rPr lang="en-US" dirty="0" smtClean="0"/>
-              <a:t>Examples: </a:t>
-            </a:r>
-            <a:r>
-              <a:rPr lang="en-US" dirty="0"/>
-              <a:t>Classification</a:t>
-            </a:r>
-          </a:p>
-        </p:txBody>
-      </p:sp>
-      <p:pic>
-        <p:nvPicPr>
-          <p:cNvPr id="5" name="Content Placeholder 4"/>
-          <p:cNvPicPr>
-            <a:picLocks noGrp="1" noChangeAspect="1"/>
-          </p:cNvPicPr>
-          <p:nvPr>
-            <p:ph sz="half" idx="1"/>
-          </p:nvPr>
-        </p:nvPicPr>
-        <p:blipFill>
-          <a:blip r:embed="rId3"/>
-          <a:stretch>
-            <a:fillRect/>
-          </a:stretch>
-        </p:blipFill>
-        <p:spPr>
-          <a:xfrm>
-            <a:off x="838200" y="1825625"/>
-            <a:ext cx="8368708" cy="1205762"/>
-          </a:xfrm>
-          <a:prstGeom prst="rect">
-            <a:avLst/>
-          </a:prstGeom>
-        </p:spPr>
-      </p:pic>
-      <p:pic>
-        <p:nvPicPr>
-          <p:cNvPr id="6" name="Picture 5"/>
-          <p:cNvPicPr>
-            <a:picLocks noChangeAspect="1"/>
-          </p:cNvPicPr>
-          <p:nvPr/>
-        </p:nvPicPr>
-        <p:blipFill>
-          <a:blip r:embed="rId4"/>
-          <a:stretch>
-            <a:fillRect/>
-          </a:stretch>
-        </p:blipFill>
-        <p:spPr>
-          <a:xfrm>
-            <a:off x="838200" y="3213525"/>
-            <a:ext cx="6886575" cy="1390650"/>
-          </a:xfrm>
-          <a:prstGeom prst="rect">
-            <a:avLst/>
-          </a:prstGeom>
-        </p:spPr>
-      </p:pic>
-      <p:pic>
-        <p:nvPicPr>
-          <p:cNvPr id="7" name="Picture 6"/>
-          <p:cNvPicPr>
-            <a:picLocks noChangeAspect="1"/>
-          </p:cNvPicPr>
-          <p:nvPr/>
-        </p:nvPicPr>
-        <p:blipFill>
-          <a:blip r:embed="rId5"/>
-          <a:stretch>
-            <a:fillRect/>
-          </a:stretch>
-        </p:blipFill>
-        <p:spPr>
-          <a:xfrm>
-            <a:off x="4281487" y="4697819"/>
-            <a:ext cx="6324600" cy="1524000"/>
-          </a:xfrm>
-          <a:prstGeom prst="rect">
-            <a:avLst/>
-          </a:prstGeom>
-        </p:spPr>
-      </p:pic>
-      <p:sp>
-        <p:nvSpPr>
-          <p:cNvPr id="8" name="Rectangle 7"/>
-          <p:cNvSpPr/>
-          <p:nvPr/>
-        </p:nvSpPr>
-        <p:spPr>
-          <a:xfrm>
-            <a:off x="7443787" y="1322611"/>
-            <a:ext cx="3224024" cy="369332"/>
-          </a:xfrm>
-          <a:prstGeom prst="rect">
-            <a:avLst/>
-          </a:prstGeom>
-        </p:spPr>
-        <p:txBody>
-          <a:bodyPr wrap="none">
-            <a:spAutoFit/>
-          </a:bodyPr>
-          <a:lstStyle/>
-          <a:p>
-            <a:r>
-              <a:rPr lang="en-US" b="1" dirty="0">
-                <a:solidFill>
-                  <a:srgbClr val="000000"/>
-                </a:solidFill>
-                <a:latin typeface="Helvetica Neue"/>
-              </a:rPr>
-              <a:t>Train a Classification Model</a:t>
-            </a:r>
-            <a:endParaRPr lang="en-US" b="1" i="0" dirty="0">
-              <a:solidFill>
-                <a:srgbClr val="000000"/>
-              </a:solidFill>
-              <a:effectLst/>
-              <a:latin typeface="Helvetica Neue"/>
-            </a:endParaRPr>
-          </a:p>
-        </p:txBody>
-      </p:sp>
-      <p:sp>
-        <p:nvSpPr>
-          <p:cNvPr id="9" name="Rectangle 8"/>
-          <p:cNvSpPr/>
-          <p:nvPr/>
-        </p:nvSpPr>
-        <p:spPr>
-          <a:xfrm>
-            <a:off x="5418424" y="2846721"/>
-            <a:ext cx="2886239" cy="369332"/>
-          </a:xfrm>
-          <a:prstGeom prst="rect">
-            <a:avLst/>
-          </a:prstGeom>
-        </p:spPr>
-        <p:txBody>
-          <a:bodyPr wrap="none">
-            <a:spAutoFit/>
-          </a:bodyPr>
-          <a:lstStyle/>
-          <a:p>
-            <a:r>
-              <a:rPr lang="en-US" b="1">
-                <a:solidFill>
-                  <a:srgbClr val="000000"/>
-                </a:solidFill>
-                <a:latin typeface="Helvetica Neue"/>
-              </a:rPr>
-              <a:t>Prepare the Testing Data</a:t>
-            </a:r>
-            <a:endParaRPr lang="en-US" b="1" i="0">
-              <a:solidFill>
-                <a:srgbClr val="000000"/>
-              </a:solidFill>
-              <a:effectLst/>
-              <a:latin typeface="Helvetica Neue"/>
-            </a:endParaRPr>
-          </a:p>
-        </p:txBody>
-      </p:sp>
-      <p:sp>
-        <p:nvSpPr>
-          <p:cNvPr id="10" name="Rectangle 9"/>
-          <p:cNvSpPr/>
-          <p:nvPr/>
-        </p:nvSpPr>
-        <p:spPr>
-          <a:xfrm>
-            <a:off x="9206908" y="4328487"/>
-            <a:ext cx="1783373" cy="369332"/>
-          </a:xfrm>
-          <a:prstGeom prst="rect">
-            <a:avLst/>
-          </a:prstGeom>
-        </p:spPr>
-        <p:txBody>
-          <a:bodyPr wrap="none">
-            <a:spAutoFit/>
-          </a:bodyPr>
-          <a:lstStyle/>
-          <a:p>
-            <a:r>
-              <a:rPr lang="en-US" b="1" dirty="0">
-                <a:solidFill>
-                  <a:srgbClr val="000000"/>
-                </a:solidFill>
-                <a:latin typeface="Helvetica Neue"/>
-              </a:rPr>
-              <a:t>Test the Model</a:t>
-            </a:r>
-            <a:endParaRPr lang="en-US" b="1" i="0" dirty="0">
-              <a:solidFill>
-                <a:srgbClr val="000000"/>
-              </a:solidFill>
-              <a:effectLst/>
-              <a:latin typeface="Helvetica Neue"/>
-            </a:endParaRPr>
-          </a:p>
-        </p:txBody>
-      </p:sp>
-    </p:spTree>
-    <p:extLst>
-      <p:ext uri="{BB962C8B-B14F-4D97-AF65-F5344CB8AC3E}">
-        <p14:creationId xmlns:p14="http://schemas.microsoft.com/office/powerpoint/2010/main" val="2495619193"/>
-      </p:ext>
-    </p:extLst>
-  </p:cSld>
-  <p:clrMapOvr>
-    <a:masterClrMapping/>
-  </p:clrMapOvr>
-</p:sld>
-</file>
-
 <file path=ppt/slides/slide25.xml><?xml version="1.0" encoding="utf-8"?>
 <p:sld xmlns:a="http://schemas.openxmlformats.org/drawingml/2006/main" xmlns:r="http://schemas.openxmlformats.org/officeDocument/2006/relationships" xmlns:p="http://schemas.openxmlformats.org/presentationml/2006/main">
   <p:cSld>
@@ -11930,7 +12011,7 @@
           <a:p>
             <a:r>
               <a:rPr lang="en-US" dirty="0" smtClean="0"/>
-              <a:t>Example: Regression</a:t>
+              <a:t>Example: Classification I</a:t>
             </a:r>
             <a:endParaRPr lang="en-US" dirty="0"/>
           </a:p>
@@ -11938,11 +12019,13 @@
       </p:sp>
       <p:pic>
         <p:nvPicPr>
-          <p:cNvPr id="5" name="Picture 4"/>
+          <p:cNvPr id="7" name="Content Placeholder 6"/>
           <p:cNvPicPr>
-            <a:picLocks noChangeAspect="1"/>
+            <a:picLocks noGrp="1" noChangeAspect="1"/>
           </p:cNvPicPr>
-          <p:nvPr/>
+          <p:nvPr>
+            <p:ph sz="half" idx="1"/>
+          </p:nvPr>
         </p:nvPicPr>
         <p:blipFill>
           <a:blip r:embed="rId3"/>
@@ -11952,8 +12035,8 @@
         </p:blipFill>
         <p:spPr>
           <a:xfrm>
-            <a:off x="838200" y="1690688"/>
-            <a:ext cx="4133850" cy="1943100"/>
+            <a:off x="838200" y="1384787"/>
+            <a:ext cx="4381500" cy="1828800"/>
           </a:xfrm>
           <a:prstGeom prst="rect">
             <a:avLst/>
@@ -11962,7 +12045,7 @@
       </p:pic>
       <p:pic>
         <p:nvPicPr>
-          <p:cNvPr id="6" name="Picture 5"/>
+          <p:cNvPr id="8" name="Picture 7"/>
           <p:cNvPicPr>
             <a:picLocks noChangeAspect="1"/>
           </p:cNvPicPr>
@@ -11976,8 +12059,8 @@
         </p:blipFill>
         <p:spPr>
           <a:xfrm>
-            <a:off x="838200" y="3852862"/>
-            <a:ext cx="6029325" cy="1590675"/>
+            <a:off x="838200" y="3272738"/>
+            <a:ext cx="5924550" cy="1762125"/>
           </a:xfrm>
           <a:prstGeom prst="rect">
             <a:avLst/>
@@ -11986,14 +12069,14 @@
       </p:pic>
       <p:sp>
         <p:nvSpPr>
-          <p:cNvPr id="7" name="Rectangle 6"/>
+          <p:cNvPr id="12" name="Rectangle 11"/>
           <p:cNvSpPr/>
           <p:nvPr/>
         </p:nvSpPr>
         <p:spPr>
           <a:xfrm>
-            <a:off x="4319245" y="3558659"/>
-            <a:ext cx="2146742" cy="369332"/>
+            <a:off x="5422900" y="3272738"/>
+            <a:ext cx="2980303" cy="369332"/>
           </a:xfrm>
           <a:prstGeom prst="rect">
             <a:avLst/>
@@ -12006,13 +12089,22 @@
           <a:lstStyle/>
           <a:p>
             <a:r>
+              <a:rPr lang="en-US" b="1" dirty="0" smtClean="0">
+                <a:solidFill>
+                  <a:srgbClr val="000000"/>
+                </a:solidFill>
+                <a:latin typeface="Helvetica Neue"/>
+              </a:rPr>
+              <a:t>Step 2: Load </a:t>
+            </a:r>
+            <a:r>
               <a:rPr lang="en-US" b="1" dirty="0">
                 <a:solidFill>
                   <a:srgbClr val="000000"/>
                 </a:solidFill>
                 <a:latin typeface="Helvetica Neue"/>
               </a:rPr>
-              <a:t>Load Source Data</a:t>
+              <a:t>Source Data</a:t>
             </a:r>
             <a:endParaRPr lang="en-US" b="1" i="0" dirty="0">
               <a:solidFill>
@@ -12026,7 +12118,7 @@
       </p:sp>
       <p:pic>
         <p:nvPicPr>
-          <p:cNvPr id="8" name="Picture 7"/>
+          <p:cNvPr id="16" name="Picture 15"/>
           <p:cNvPicPr>
             <a:picLocks noChangeAspect="1"/>
           </p:cNvPicPr>
@@ -12040,8 +12132,8 @@
         </p:blipFill>
         <p:spPr>
           <a:xfrm>
-            <a:off x="4972050" y="1984892"/>
-            <a:ext cx="6965339" cy="1122336"/>
+            <a:off x="4294629" y="4826385"/>
+            <a:ext cx="6905625" cy="1809750"/>
           </a:xfrm>
           <a:prstGeom prst="rect">
             <a:avLst/>
@@ -12050,14 +12142,14 @@
       </p:pic>
       <p:sp>
         <p:nvSpPr>
-          <p:cNvPr id="9" name="Rectangle 8"/>
+          <p:cNvPr id="17" name="Rectangle 16"/>
           <p:cNvSpPr/>
           <p:nvPr/>
         </p:nvSpPr>
         <p:spPr>
           <a:xfrm>
-            <a:off x="9768165" y="1690688"/>
-            <a:ext cx="2018501" cy="369332"/>
+            <a:off x="9081299" y="4457053"/>
+            <a:ext cx="2852063" cy="369332"/>
           </a:xfrm>
           <a:prstGeom prst="rect">
             <a:avLst/>
@@ -12070,13 +12162,13 @@
           <a:lstStyle/>
           <a:p>
             <a:r>
-              <a:rPr lang="en-US" b="1" dirty="0">
+              <a:rPr lang="en-US" b="1" dirty="0" smtClean="0">
                 <a:solidFill>
                   <a:srgbClr val="000000"/>
                 </a:solidFill>
                 <a:latin typeface="Helvetica Neue"/>
               </a:rPr>
-              <a:t>Prepare the Data</a:t>
+              <a:t>Step 3: Prepare the Data</a:t>
             </a:r>
             <a:endParaRPr lang="en-US" b="1" i="0" dirty="0">
               <a:solidFill>
@@ -12088,144 +12180,23 @@
           </a:p>
         </p:txBody>
       </p:sp>
-      <p:pic>
-        <p:nvPicPr>
-          <p:cNvPr id="10" name="Picture 9"/>
-          <p:cNvPicPr>
-            <a:picLocks noChangeAspect="1"/>
-          </p:cNvPicPr>
-          <p:nvPr/>
-        </p:nvPicPr>
-        <p:blipFill>
-          <a:blip r:embed="rId6"/>
-          <a:stretch>
-            <a:fillRect/>
-          </a:stretch>
-        </p:blipFill>
-        <p:spPr>
-          <a:xfrm>
-            <a:off x="6993914" y="3558659"/>
-            <a:ext cx="4943475" cy="1495425"/>
-          </a:xfrm>
-          <a:prstGeom prst="rect">
-            <a:avLst/>
-          </a:prstGeom>
-        </p:spPr>
-      </p:pic>
-      <p:sp>
-        <p:nvSpPr>
-          <p:cNvPr id="11" name="Rectangle 10"/>
-          <p:cNvSpPr/>
-          <p:nvPr/>
-        </p:nvSpPr>
-        <p:spPr>
-          <a:xfrm>
-            <a:off x="10127237" y="3216766"/>
-            <a:ext cx="1659429" cy="369332"/>
-          </a:xfrm>
-          <a:prstGeom prst="rect">
-            <a:avLst/>
-          </a:prstGeom>
-        </p:spPr>
-        <p:txBody>
-          <a:bodyPr wrap="none">
-            <a:spAutoFit/>
-          </a:bodyPr>
-          <a:lstStyle/>
-          <a:p>
-            <a:r>
-              <a:rPr lang="en-US" b="1" dirty="0">
-                <a:solidFill>
-                  <a:srgbClr val="000000"/>
-                </a:solidFill>
-                <a:latin typeface="Helvetica Neue"/>
-              </a:rPr>
-              <a:t>Split the Data</a:t>
-            </a:r>
-            <a:endParaRPr lang="en-US" b="1" i="0" dirty="0">
-              <a:solidFill>
-                <a:srgbClr val="000000"/>
-              </a:solidFill>
-              <a:effectLst/>
-              <a:latin typeface="Helvetica Neue"/>
-            </a:endParaRPr>
-          </a:p>
-        </p:txBody>
-      </p:sp>
-      <p:pic>
-        <p:nvPicPr>
-          <p:cNvPr id="12" name="Picture 11"/>
-          <p:cNvPicPr>
-            <a:picLocks noChangeAspect="1"/>
-          </p:cNvPicPr>
-          <p:nvPr/>
-        </p:nvPicPr>
-        <p:blipFill>
-          <a:blip r:embed="rId7"/>
-          <a:stretch>
-            <a:fillRect/>
-          </a:stretch>
-        </p:blipFill>
-        <p:spPr>
-          <a:xfrm>
-            <a:off x="4172316" y="5273158"/>
-            <a:ext cx="7765073" cy="1512011"/>
-          </a:xfrm>
-          <a:prstGeom prst="rect">
-            <a:avLst/>
-          </a:prstGeom>
-        </p:spPr>
-      </p:pic>
-      <p:sp>
-        <p:nvSpPr>
-          <p:cNvPr id="13" name="Rectangle 12"/>
-          <p:cNvSpPr/>
-          <p:nvPr/>
-        </p:nvSpPr>
-        <p:spPr>
-          <a:xfrm>
-            <a:off x="8402675" y="6126119"/>
-            <a:ext cx="2980368" cy="369332"/>
-          </a:xfrm>
-          <a:prstGeom prst="rect">
-            <a:avLst/>
-          </a:prstGeom>
-        </p:spPr>
-        <p:txBody>
-          <a:bodyPr wrap="none">
-            <a:spAutoFit/>
-          </a:bodyPr>
-          <a:lstStyle/>
-          <a:p>
-            <a:r>
-              <a:rPr lang="en-US" b="1" dirty="0">
-                <a:solidFill>
-                  <a:srgbClr val="000000"/>
-                </a:solidFill>
-                <a:latin typeface="Helvetica Neue"/>
-              </a:rPr>
-              <a:t>Prepare the Training Data</a:t>
-            </a:r>
-            <a:endParaRPr lang="en-US" b="1" i="0" dirty="0">
-              <a:solidFill>
-                <a:srgbClr val="000000"/>
-              </a:solidFill>
-              <a:effectLst/>
-              <a:latin typeface="Helvetica Neue"/>
-            </a:endParaRPr>
-          </a:p>
-        </p:txBody>
-      </p:sp>
     </p:spTree>
     <p:extLst>
       <p:ext uri="{BB962C8B-B14F-4D97-AF65-F5344CB8AC3E}">
-        <p14:creationId xmlns:p14="http://schemas.microsoft.com/office/powerpoint/2010/main" val="2763720183"/>
+        <p14:creationId xmlns:p14="http://schemas.microsoft.com/office/powerpoint/2010/main" val="1981984229"/>
       </p:ext>
     </p:extLst>
   </p:cSld>
   <p:clrMapOvr>
     <a:masterClrMapping/>
   </p:clrMapOvr>
+  <p:timing>
+    <p:tnLst>
+      <p:par>
+        <p:cTn id="1" dur="indefinite" restart="never" nodeType="tmRoot"/>
+      </p:par>
+    </p:tnLst>
+  </p:timing>
 </p:sld>
 </file>
 
@@ -12263,7 +12234,7 @@
           <a:p>
             <a:r>
               <a:rPr lang="en-US" dirty="0" smtClean="0"/>
-              <a:t>Example: Regression</a:t>
+              <a:t>Example: Classification II</a:t>
             </a:r>
             <a:endParaRPr lang="en-US" dirty="0"/>
           </a:p>
@@ -12271,71 +12242,7 @@
       </p:sp>
       <p:pic>
         <p:nvPicPr>
-          <p:cNvPr id="5" name="Picture 4"/>
-          <p:cNvPicPr>
-            <a:picLocks noChangeAspect="1"/>
-          </p:cNvPicPr>
-          <p:nvPr/>
-        </p:nvPicPr>
-        <p:blipFill>
-          <a:blip r:embed="rId2"/>
-          <a:stretch>
-            <a:fillRect/>
-          </a:stretch>
-        </p:blipFill>
-        <p:spPr>
-          <a:xfrm>
-            <a:off x="838200" y="1690688"/>
-            <a:ext cx="6753225" cy="1009650"/>
-          </a:xfrm>
-          <a:prstGeom prst="rect">
-            <a:avLst/>
-          </a:prstGeom>
-        </p:spPr>
-      </p:pic>
-      <p:sp>
-        <p:nvSpPr>
-          <p:cNvPr id="6" name="Rectangle 5"/>
-          <p:cNvSpPr/>
-          <p:nvPr/>
-        </p:nvSpPr>
-        <p:spPr>
-          <a:xfrm>
-            <a:off x="4465140" y="2515672"/>
-            <a:ext cx="2980368" cy="369332"/>
-          </a:xfrm>
-          <a:prstGeom prst="rect">
-            <a:avLst/>
-          </a:prstGeom>
-        </p:spPr>
-        <p:txBody>
-          <a:bodyPr wrap="none">
-            <a:spAutoFit/>
-          </a:bodyPr>
-          <a:lstStyle/>
-          <a:p>
-            <a:r>
-              <a:rPr lang="en-US" b="1" dirty="0">
-                <a:solidFill>
-                  <a:srgbClr val="000000"/>
-                </a:solidFill>
-                <a:latin typeface="Helvetica Neue"/>
-              </a:rPr>
-              <a:t>Train a Regression Model</a:t>
-            </a:r>
-            <a:endParaRPr lang="en-US" b="1" i="0" dirty="0">
-              <a:solidFill>
-                <a:srgbClr val="000000"/>
-              </a:solidFill>
-              <a:effectLst/>
-              <a:latin typeface="Helvetica Neue"/>
-            </a:endParaRPr>
-          </a:p>
-        </p:txBody>
-      </p:sp>
-      <p:pic>
-        <p:nvPicPr>
-          <p:cNvPr id="7" name="Picture 6"/>
+          <p:cNvPr id="10" name="Picture 9"/>
           <p:cNvPicPr>
             <a:picLocks noChangeAspect="1"/>
           </p:cNvPicPr>
@@ -12349,57 +12256,17 @@
         </p:blipFill>
         <p:spPr>
           <a:xfrm>
-            <a:off x="838200" y="3311526"/>
-            <a:ext cx="8201025" cy="1428750"/>
+            <a:off x="838200" y="1946364"/>
+            <a:ext cx="5057775" cy="1362075"/>
           </a:xfrm>
           <a:prstGeom prst="rect">
             <a:avLst/>
           </a:prstGeom>
         </p:spPr>
       </p:pic>
-      <p:sp>
-        <p:nvSpPr>
-          <p:cNvPr id="8" name="Rectangle 7"/>
-          <p:cNvSpPr/>
-          <p:nvPr/>
-        </p:nvSpPr>
-        <p:spPr>
-          <a:xfrm>
-            <a:off x="4082357" y="3951844"/>
-            <a:ext cx="2886239" cy="369332"/>
-          </a:xfrm>
-          <a:prstGeom prst="rect">
-            <a:avLst/>
-          </a:prstGeom>
-        </p:spPr>
-        <p:txBody>
-          <a:bodyPr wrap="none">
-            <a:spAutoFit/>
-          </a:bodyPr>
-          <a:lstStyle/>
-          <a:p>
-            <a:r>
-              <a:rPr lang="en-US" b="1" dirty="0">
-                <a:solidFill>
-                  <a:srgbClr val="000000"/>
-                </a:solidFill>
-                <a:latin typeface="Helvetica Neue"/>
-              </a:rPr>
-              <a:t>Prepare the Testing Data</a:t>
-            </a:r>
-            <a:endParaRPr lang="en-US" b="1" i="0" dirty="0">
-              <a:solidFill>
-                <a:srgbClr val="000000"/>
-              </a:solidFill>
-              <a:effectLst/>
-              <a:latin typeface="Helvetica Neue"/>
-            </a:endParaRPr>
-          </a:p>
-        </p:txBody>
-      </p:sp>
       <p:pic>
         <p:nvPicPr>
-          <p:cNvPr id="9" name="Picture 8"/>
+          <p:cNvPr id="11" name="Picture 10"/>
           <p:cNvPicPr>
             <a:picLocks noChangeAspect="1"/>
           </p:cNvPicPr>
@@ -12413,8 +12280,8 @@
         </p:blipFill>
         <p:spPr>
           <a:xfrm>
-            <a:off x="3769824" y="4855527"/>
-            <a:ext cx="5324475" cy="1533525"/>
+            <a:off x="838200" y="3564115"/>
+            <a:ext cx="8601075" cy="1571625"/>
           </a:xfrm>
           <a:prstGeom prst="rect">
             <a:avLst/>
@@ -12423,14 +12290,14 @@
       </p:pic>
       <p:sp>
         <p:nvSpPr>
-          <p:cNvPr id="10" name="Rectangle 9"/>
+          <p:cNvPr id="14" name="Rectangle 13"/>
           <p:cNvSpPr/>
           <p:nvPr/>
         </p:nvSpPr>
         <p:spPr>
           <a:xfrm>
-            <a:off x="8408621" y="5698365"/>
-            <a:ext cx="1783373" cy="369332"/>
+            <a:off x="4261946" y="1634079"/>
+            <a:ext cx="2492990" cy="369332"/>
           </a:xfrm>
           <a:prstGeom prst="rect">
             <a:avLst/>
@@ -12443,13 +12310,22 @@
           <a:lstStyle/>
           <a:p>
             <a:r>
+              <a:rPr lang="en-US" b="1" dirty="0" smtClean="0">
+                <a:solidFill>
+                  <a:srgbClr val="000000"/>
+                </a:solidFill>
+                <a:latin typeface="Helvetica Neue"/>
+              </a:rPr>
+              <a:t>Step 4: Split </a:t>
+            </a:r>
+            <a:r>
               <a:rPr lang="en-US" b="1" dirty="0">
                 <a:solidFill>
                   <a:srgbClr val="000000"/>
                 </a:solidFill>
                 <a:latin typeface="Helvetica Neue"/>
               </a:rPr>
-              <a:t>Test the Model</a:t>
+              <a:t>the Data</a:t>
             </a:r>
             <a:endParaRPr lang="en-US" b="1" i="0" dirty="0">
               <a:solidFill>
@@ -12461,16 +12337,147 @@
           </a:p>
         </p:txBody>
       </p:sp>
+      <p:sp>
+        <p:nvSpPr>
+          <p:cNvPr id="15" name="Rectangle 14"/>
+          <p:cNvSpPr/>
+          <p:nvPr/>
+        </p:nvSpPr>
+        <p:spPr>
+          <a:xfrm>
+            <a:off x="6613007" y="3194783"/>
+            <a:ext cx="3813929" cy="369332"/>
+          </a:xfrm>
+          <a:prstGeom prst="rect">
+            <a:avLst/>
+          </a:prstGeom>
+        </p:spPr>
+        <p:txBody>
+          <a:bodyPr wrap="none">
+            <a:spAutoFit/>
+          </a:bodyPr>
+          <a:lstStyle/>
+          <a:p>
+            <a:r>
+              <a:rPr lang="en-US" b="1" dirty="0" smtClean="0">
+                <a:solidFill>
+                  <a:srgbClr val="000000"/>
+                </a:solidFill>
+                <a:latin typeface="Helvetica Neue"/>
+              </a:rPr>
+              <a:t>Step 5: Prepare </a:t>
+            </a:r>
+            <a:r>
+              <a:rPr lang="en-US" b="1" dirty="0">
+                <a:solidFill>
+                  <a:srgbClr val="000000"/>
+                </a:solidFill>
+                <a:latin typeface="Helvetica Neue"/>
+              </a:rPr>
+              <a:t>the Training Data</a:t>
+            </a:r>
+            <a:endParaRPr lang="en-US" b="1" i="0" dirty="0">
+              <a:solidFill>
+                <a:srgbClr val="000000"/>
+              </a:solidFill>
+              <a:effectLst/>
+              <a:latin typeface="Helvetica Neue"/>
+            </a:endParaRPr>
+          </a:p>
+        </p:txBody>
+      </p:sp>
+      <p:pic>
+        <p:nvPicPr>
+          <p:cNvPr id="16" name="Content Placeholder 4"/>
+          <p:cNvPicPr>
+            <a:picLocks noGrp="1" noChangeAspect="1"/>
+          </p:cNvPicPr>
+          <p:nvPr>
+            <p:ph sz="half" idx="1"/>
+          </p:nvPr>
+        </p:nvPicPr>
+        <p:blipFill>
+          <a:blip r:embed="rId5"/>
+          <a:stretch>
+            <a:fillRect/>
+          </a:stretch>
+        </p:blipFill>
+        <p:spPr>
+          <a:xfrm>
+            <a:off x="2985092" y="5391416"/>
+            <a:ext cx="8368708" cy="1205762"/>
+          </a:xfrm>
+          <a:prstGeom prst="rect">
+            <a:avLst/>
+          </a:prstGeom>
+        </p:spPr>
+      </p:pic>
+      <p:sp>
+        <p:nvSpPr>
+          <p:cNvPr id="17" name="Rectangle 16"/>
+          <p:cNvSpPr/>
+          <p:nvPr/>
+        </p:nvSpPr>
+        <p:spPr>
+          <a:xfrm>
+            <a:off x="8015287" y="5022084"/>
+            <a:ext cx="4057586" cy="369332"/>
+          </a:xfrm>
+          <a:prstGeom prst="rect">
+            <a:avLst/>
+          </a:prstGeom>
+        </p:spPr>
+        <p:txBody>
+          <a:bodyPr wrap="none">
+            <a:spAutoFit/>
+          </a:bodyPr>
+          <a:lstStyle/>
+          <a:p>
+            <a:r>
+              <a:rPr lang="en-US" b="1" dirty="0" smtClean="0">
+                <a:solidFill>
+                  <a:srgbClr val="000000"/>
+                </a:solidFill>
+                <a:latin typeface="Helvetica Neue"/>
+              </a:rPr>
+              <a:t>Step 6: Train </a:t>
+            </a:r>
+            <a:r>
+              <a:rPr lang="en-US" b="1" dirty="0">
+                <a:solidFill>
+                  <a:srgbClr val="000000"/>
+                </a:solidFill>
+                <a:latin typeface="Helvetica Neue"/>
+              </a:rPr>
+              <a:t>a Classification Model</a:t>
+            </a:r>
+            <a:endParaRPr lang="en-US" b="1" i="0" dirty="0">
+              <a:solidFill>
+                <a:srgbClr val="000000"/>
+              </a:solidFill>
+              <a:effectLst/>
+              <a:latin typeface="Helvetica Neue"/>
+            </a:endParaRPr>
+          </a:p>
+        </p:txBody>
+      </p:sp>
     </p:spTree>
     <p:extLst>
       <p:ext uri="{BB962C8B-B14F-4D97-AF65-F5344CB8AC3E}">
-        <p14:creationId xmlns:p14="http://schemas.microsoft.com/office/powerpoint/2010/main" val="3373317589"/>
+        <p14:creationId xmlns:p14="http://schemas.microsoft.com/office/powerpoint/2010/main" val="2038184803"/>
       </p:ext>
     </p:extLst>
   </p:cSld>
   <p:clrMapOvr>
     <a:masterClrMapping/>
   </p:clrMapOvr>
+  <p:timing>
+    <p:tnLst>
+      <p:par>
+        <p:cTn id="1" dur="indefinite" restart="never" nodeType="tmRoot"/>
+      </p:par>
+    </p:tnLst>
+  </p:timing>
 </p:sld>
 </file>
 
@@ -12508,7 +12515,7 @@
           <a:p>
             <a:r>
               <a:rPr lang="en-US" dirty="0" smtClean="0"/>
-              <a:t>Example: Pipeline</a:t>
+              <a:t>Example: Classification III</a:t>
             </a:r>
             <a:endParaRPr lang="en-US" dirty="0"/>
           </a:p>
@@ -12517,70 +12524,6 @@
       <p:pic>
         <p:nvPicPr>
           <p:cNvPr id="6" name="Picture 5"/>
-          <p:cNvPicPr>
-            <a:picLocks noChangeAspect="1"/>
-          </p:cNvPicPr>
-          <p:nvPr/>
-        </p:nvPicPr>
-        <p:blipFill>
-          <a:blip r:embed="rId2"/>
-          <a:stretch>
-            <a:fillRect/>
-          </a:stretch>
-        </p:blipFill>
-        <p:spPr>
-          <a:xfrm>
-            <a:off x="939800" y="1690688"/>
-            <a:ext cx="8686800" cy="1857375"/>
-          </a:xfrm>
-          <a:prstGeom prst="rect">
-            <a:avLst/>
-          </a:prstGeom>
-        </p:spPr>
-      </p:pic>
-      <p:sp>
-        <p:nvSpPr>
-          <p:cNvPr id="7" name="Rectangle 6"/>
-          <p:cNvSpPr/>
-          <p:nvPr/>
-        </p:nvSpPr>
-        <p:spPr>
-          <a:xfrm>
-            <a:off x="7478866" y="1321356"/>
-            <a:ext cx="2249334" cy="369332"/>
-          </a:xfrm>
-          <a:prstGeom prst="rect">
-            <a:avLst/>
-          </a:prstGeom>
-        </p:spPr>
-        <p:txBody>
-          <a:bodyPr wrap="none">
-            <a:spAutoFit/>
-          </a:bodyPr>
-          <a:lstStyle/>
-          <a:p>
-            <a:r>
-              <a:rPr lang="en-US" b="1" dirty="0">
-                <a:solidFill>
-                  <a:srgbClr val="000000"/>
-                </a:solidFill>
-                <a:latin typeface="Helvetica Neue"/>
-              </a:rPr>
-              <a:t>Define the Pipeline</a:t>
-            </a:r>
-            <a:endParaRPr lang="en-US" b="1" i="0" dirty="0">
-              <a:solidFill>
-                <a:srgbClr val="000000"/>
-              </a:solidFill>
-              <a:effectLst/>
-              <a:latin typeface="Helvetica Neue"/>
-            </a:endParaRPr>
-          </a:p>
-        </p:txBody>
-      </p:sp>
-      <p:pic>
-        <p:nvPicPr>
-          <p:cNvPr id="8" name="Picture 7"/>
           <p:cNvPicPr>
             <a:picLocks noChangeAspect="1"/>
           </p:cNvPicPr>
@@ -12594,8 +12537,8 @@
         </p:blipFill>
         <p:spPr>
           <a:xfrm>
-            <a:off x="939800" y="3994394"/>
-            <a:ext cx="2867025" cy="666750"/>
+            <a:off x="838200" y="2060020"/>
+            <a:ext cx="6886575" cy="1390650"/>
           </a:xfrm>
           <a:prstGeom prst="rect">
             <a:avLst/>
@@ -12604,7 +12547,7 @@
       </p:pic>
       <p:pic>
         <p:nvPicPr>
-          <p:cNvPr id="9" name="Picture 8"/>
+          <p:cNvPr id="7" name="Picture 6"/>
           <p:cNvPicPr>
             <a:picLocks noChangeAspect="1"/>
           </p:cNvPicPr>
@@ -12618,8 +12561,8 @@
         </p:blipFill>
         <p:spPr>
           <a:xfrm>
-            <a:off x="939800" y="5359644"/>
-            <a:ext cx="5286375" cy="781050"/>
+            <a:off x="3354387" y="3751153"/>
+            <a:ext cx="6324600" cy="1524000"/>
           </a:xfrm>
           <a:prstGeom prst="rect">
             <a:avLst/>
@@ -12628,14 +12571,14 @@
       </p:pic>
       <p:sp>
         <p:nvSpPr>
-          <p:cNvPr id="10" name="Rectangle 9"/>
+          <p:cNvPr id="9" name="Rectangle 8"/>
           <p:cNvSpPr/>
           <p:nvPr/>
         </p:nvSpPr>
         <p:spPr>
           <a:xfrm>
-            <a:off x="4338478" y="4143103"/>
-            <a:ext cx="3775393" cy="369332"/>
+            <a:off x="4838536" y="1690688"/>
+            <a:ext cx="3719801" cy="369332"/>
           </a:xfrm>
           <a:prstGeom prst="rect">
             <a:avLst/>
@@ -12648,13 +12591,22 @@
           <a:lstStyle/>
           <a:p>
             <a:r>
+              <a:rPr lang="en-US" b="1" dirty="0" smtClean="0">
+                <a:solidFill>
+                  <a:srgbClr val="000000"/>
+                </a:solidFill>
+                <a:latin typeface="Helvetica Neue"/>
+              </a:rPr>
+              <a:t>Step 7: Prepare </a:t>
+            </a:r>
+            <a:r>
               <a:rPr lang="en-US" b="1" dirty="0">
                 <a:solidFill>
                   <a:srgbClr val="000000"/>
                 </a:solidFill>
                 <a:latin typeface="Helvetica Neue"/>
               </a:rPr>
-              <a:t>Run the Pipeline as an Estimator</a:t>
+              <a:t>the Testing Data</a:t>
             </a:r>
             <a:endParaRPr lang="en-US" b="1" i="0" dirty="0">
               <a:solidFill>
@@ -12668,14 +12620,14 @@
       </p:sp>
       <p:sp>
         <p:nvSpPr>
-          <p:cNvPr id="11" name="Rectangle 10"/>
+          <p:cNvPr id="10" name="Rectangle 9"/>
           <p:cNvSpPr/>
           <p:nvPr/>
         </p:nvSpPr>
         <p:spPr>
           <a:xfrm>
-            <a:off x="6995849" y="5565503"/>
-            <a:ext cx="2732351" cy="369332"/>
+            <a:off x="7895614" y="3381821"/>
+            <a:ext cx="2616935" cy="369332"/>
           </a:xfrm>
           <a:prstGeom prst="rect">
             <a:avLst/>
@@ -12688,15 +12640,24 @@
           <a:lstStyle/>
           <a:p>
             <a:r>
-              <a:rPr lang="en-US" b="1">
+              <a:rPr lang="en-US" b="1" dirty="0" smtClean="0">
                 <a:solidFill>
                   <a:srgbClr val="000000"/>
                 </a:solidFill>
                 <a:latin typeface="Helvetica Neue"/>
               </a:rPr>
-              <a:t>Test the Pipeline Model</a:t>
-            </a:r>
-            <a:endParaRPr lang="en-US" b="1" i="0">
+              <a:t>Step 8: Test </a:t>
+            </a:r>
+            <a:r>
+              <a:rPr lang="en-US" b="1" dirty="0">
+                <a:solidFill>
+                  <a:srgbClr val="000000"/>
+                </a:solidFill>
+                <a:latin typeface="Helvetica Neue"/>
+              </a:rPr>
+              <a:t>the Model</a:t>
+            </a:r>
+            <a:endParaRPr lang="en-US" b="1" i="0" dirty="0">
               <a:solidFill>
                 <a:srgbClr val="000000"/>
               </a:solidFill>
@@ -12709,7 +12670,7 @@
     </p:spTree>
     <p:extLst>
       <p:ext uri="{BB962C8B-B14F-4D97-AF65-F5344CB8AC3E}">
-        <p14:creationId xmlns:p14="http://schemas.microsoft.com/office/powerpoint/2010/main" val="3684916204"/>
+        <p14:creationId xmlns:p14="http://schemas.microsoft.com/office/powerpoint/2010/main" val="2495619193"/>
       </p:ext>
     </p:extLst>
   </p:cSld>
@@ -12753,15 +12714,7 @@
           <a:p>
             <a:r>
               <a:rPr lang="en-US" dirty="0" smtClean="0"/>
-              <a:t>More Example: </a:t>
-            </a:r>
-            <a:r>
-              <a:rPr lang="en-US" dirty="0"/>
-              <a:t>Text </a:t>
-            </a:r>
-            <a:r>
-              <a:rPr lang="en-US" dirty="0" smtClean="0"/>
-              <a:t>Analysis</a:t>
+              <a:t>Example: Regression I</a:t>
             </a:r>
             <a:endParaRPr lang="en-US" dirty="0"/>
           </a:p>
@@ -12776,15 +12729,15 @@
           <p:nvPr/>
         </p:nvPicPr>
         <p:blipFill>
-          <a:blip r:embed="rId2"/>
+          <a:blip r:embed="rId3"/>
           <a:stretch>
             <a:fillRect/>
           </a:stretch>
         </p:blipFill>
         <p:spPr>
           <a:xfrm>
-            <a:off x="979242" y="1748570"/>
-            <a:ext cx="7048500" cy="2724150"/>
+            <a:off x="838200" y="1468458"/>
+            <a:ext cx="4133850" cy="1943100"/>
           </a:xfrm>
           <a:prstGeom prst="rect">
             <a:avLst/>
@@ -12800,30 +12753,6 @@
           <p:nvPr/>
         </p:nvPicPr>
         <p:blipFill>
-          <a:blip r:embed="rId3"/>
-          <a:stretch>
-            <a:fillRect/>
-          </a:stretch>
-        </p:blipFill>
-        <p:spPr>
-          <a:xfrm>
-            <a:off x="916719" y="5249007"/>
-            <a:ext cx="3152775" cy="657225"/>
-          </a:xfrm>
-          <a:prstGeom prst="rect">
-            <a:avLst/>
-          </a:prstGeom>
-        </p:spPr>
-      </p:pic>
-      <p:pic>
-        <p:nvPicPr>
-          <p:cNvPr id="7" name="Picture 6"/>
-          <p:cNvPicPr>
-            <a:picLocks noChangeAspect="1"/>
-          </p:cNvPicPr>
-          <p:nvPr/>
-        </p:nvPicPr>
-        <p:blipFill>
           <a:blip r:embed="rId4"/>
           <a:stretch>
             <a:fillRect/>
@@ -12831,8 +12760,8 @@
         </p:blipFill>
         <p:spPr>
           <a:xfrm>
-            <a:off x="6096000" y="5577620"/>
-            <a:ext cx="5848350" cy="847725"/>
+            <a:off x="1957387" y="3558659"/>
+            <a:ext cx="6029325" cy="1590675"/>
           </a:xfrm>
           <a:prstGeom prst="rect">
             <a:avLst/>
@@ -12841,14 +12770,14 @@
       </p:pic>
       <p:sp>
         <p:nvSpPr>
-          <p:cNvPr id="8" name="Rectangle 7"/>
+          <p:cNvPr id="7" name="Rectangle 6"/>
           <p:cNvSpPr/>
           <p:nvPr/>
         </p:nvSpPr>
         <p:spPr>
           <a:xfrm>
-            <a:off x="979242" y="6001482"/>
-            <a:ext cx="3775393" cy="369332"/>
+            <a:off x="5839970" y="3230086"/>
+            <a:ext cx="2980303" cy="369332"/>
           </a:xfrm>
           <a:prstGeom prst="rect">
             <a:avLst/>
@@ -12861,13 +12790,22 @@
           <a:lstStyle/>
           <a:p>
             <a:r>
+              <a:rPr lang="en-US" b="1" dirty="0" smtClean="0">
+                <a:solidFill>
+                  <a:srgbClr val="000000"/>
+                </a:solidFill>
+                <a:latin typeface="Helvetica Neue"/>
+              </a:rPr>
+              <a:t>Step 2: Load </a:t>
+            </a:r>
+            <a:r>
               <a:rPr lang="en-US" b="1" dirty="0">
                 <a:solidFill>
                   <a:srgbClr val="000000"/>
                 </a:solidFill>
                 <a:latin typeface="Helvetica Neue"/>
               </a:rPr>
-              <a:t>Run the Pipeline as an Estimator</a:t>
+              <a:t>Source Data</a:t>
             </a:r>
             <a:endParaRPr lang="en-US" b="1" i="0" dirty="0">
               <a:solidFill>
@@ -12879,16 +12817,40 @@
           </a:p>
         </p:txBody>
       </p:sp>
+      <p:pic>
+        <p:nvPicPr>
+          <p:cNvPr id="14" name="Picture 13"/>
+          <p:cNvPicPr>
+            <a:picLocks noChangeAspect="1"/>
+          </p:cNvPicPr>
+          <p:nvPr/>
+        </p:nvPicPr>
+        <p:blipFill>
+          <a:blip r:embed="rId5"/>
+          <a:stretch>
+            <a:fillRect/>
+          </a:stretch>
+        </p:blipFill>
+        <p:spPr>
+          <a:xfrm>
+            <a:off x="4870450" y="5477907"/>
+            <a:ext cx="6965339" cy="1122336"/>
+          </a:xfrm>
+          <a:prstGeom prst="rect">
+            <a:avLst/>
+          </a:prstGeom>
+        </p:spPr>
+      </p:pic>
       <p:sp>
         <p:nvSpPr>
-          <p:cNvPr id="9" name="Rectangle 8"/>
+          <p:cNvPr id="15" name="Rectangle 14"/>
           <p:cNvSpPr/>
           <p:nvPr/>
         </p:nvSpPr>
         <p:spPr>
           <a:xfrm>
-            <a:off x="9211999" y="5150406"/>
-            <a:ext cx="2732351" cy="369332"/>
+            <a:off x="8983726" y="5108575"/>
+            <a:ext cx="2852063" cy="369332"/>
           </a:xfrm>
           <a:prstGeom prst="rect">
             <a:avLst/>
@@ -12901,13 +12863,22 @@
           <a:lstStyle/>
           <a:p>
             <a:r>
+              <a:rPr lang="en-US" b="1" dirty="0" smtClean="0">
+                <a:solidFill>
+                  <a:srgbClr val="000000"/>
+                </a:solidFill>
+                <a:latin typeface="Helvetica Neue"/>
+              </a:rPr>
+              <a:t>Step 3: Prepare </a:t>
+            </a:r>
+            <a:r>
               <a:rPr lang="en-US" b="1" dirty="0">
                 <a:solidFill>
                   <a:srgbClr val="000000"/>
                 </a:solidFill>
                 <a:latin typeface="Helvetica Neue"/>
               </a:rPr>
-              <a:t>Test the Pipeline Model</a:t>
+              <a:t>the Data</a:t>
             </a:r>
             <a:endParaRPr lang="en-US" b="1" i="0" dirty="0">
               <a:solidFill>
@@ -12922,7 +12893,7 @@
     </p:spTree>
     <p:extLst>
       <p:ext uri="{BB962C8B-B14F-4D97-AF65-F5344CB8AC3E}">
-        <p14:creationId xmlns:p14="http://schemas.microsoft.com/office/powerpoint/2010/main" val="951947433"/>
+        <p14:creationId xmlns:p14="http://schemas.microsoft.com/office/powerpoint/2010/main" val="2763720183"/>
       </p:ext>
     </p:extLst>
   </p:cSld>
@@ -12966,7 +12937,7 @@
           <a:p>
             <a:r>
               <a:rPr lang="en-US" dirty="0" smtClean="0"/>
-              <a:t>More Example: Clustering</a:t>
+              <a:t>Example: Regression II</a:t>
             </a:r>
             <a:endParaRPr lang="en-US" dirty="0"/>
           </a:p>
@@ -12974,71 +12945,7 @@
       </p:sp>
       <p:pic>
         <p:nvPicPr>
-          <p:cNvPr id="5" name="Picture 4"/>
-          <p:cNvPicPr>
-            <a:picLocks noChangeAspect="1"/>
-          </p:cNvPicPr>
-          <p:nvPr/>
-        </p:nvPicPr>
-        <p:blipFill>
-          <a:blip r:embed="rId2"/>
-          <a:stretch>
-            <a:fillRect/>
-          </a:stretch>
-        </p:blipFill>
-        <p:spPr>
-          <a:xfrm>
-            <a:off x="976923" y="1690688"/>
-            <a:ext cx="9753600" cy="1704975"/>
-          </a:xfrm>
-          <a:prstGeom prst="rect">
-            <a:avLst/>
-          </a:prstGeom>
-        </p:spPr>
-      </p:pic>
-      <p:sp>
-        <p:nvSpPr>
-          <p:cNvPr id="6" name="Rectangle 5"/>
-          <p:cNvSpPr/>
-          <p:nvPr/>
-        </p:nvSpPr>
-        <p:spPr>
-          <a:xfrm>
-            <a:off x="7585518" y="1423349"/>
-            <a:ext cx="3070071" cy="369332"/>
-          </a:xfrm>
-          <a:prstGeom prst="rect">
-            <a:avLst/>
-          </a:prstGeom>
-        </p:spPr>
-        <p:txBody>
-          <a:bodyPr wrap="none">
-            <a:spAutoFit/>
-          </a:bodyPr>
-          <a:lstStyle/>
-          <a:p>
-            <a:r>
-              <a:rPr lang="en-US" b="1" dirty="0">
-                <a:solidFill>
-                  <a:srgbClr val="000000"/>
-                </a:solidFill>
-                <a:latin typeface="Helvetica Neue"/>
-              </a:rPr>
-              <a:t>Create the K-Means Model</a:t>
-            </a:r>
-            <a:endParaRPr lang="en-US" b="1" i="0" dirty="0">
-              <a:solidFill>
-                <a:srgbClr val="000000"/>
-              </a:solidFill>
-              <a:effectLst/>
-              <a:latin typeface="Helvetica Neue"/>
-            </a:endParaRPr>
-          </a:p>
-        </p:txBody>
-      </p:sp>
-      <p:pic>
-        <p:nvPicPr>
-          <p:cNvPr id="7" name="Picture 6"/>
+          <p:cNvPr id="10" name="Picture 9"/>
           <p:cNvPicPr>
             <a:picLocks noChangeAspect="1"/>
           </p:cNvPicPr>
@@ -13052,8 +12959,8 @@
         </p:blipFill>
         <p:spPr>
           <a:xfrm>
-            <a:off x="976923" y="3663002"/>
-            <a:ext cx="3086100" cy="923925"/>
+            <a:off x="838200" y="1690688"/>
+            <a:ext cx="4943475" cy="1495425"/>
           </a:xfrm>
           <a:prstGeom prst="rect">
             <a:avLst/>
@@ -13062,14 +12969,14 @@
       </p:pic>
       <p:sp>
         <p:nvSpPr>
-          <p:cNvPr id="8" name="Rectangle 7"/>
+          <p:cNvPr id="11" name="Rectangle 10"/>
           <p:cNvSpPr/>
           <p:nvPr/>
         </p:nvSpPr>
         <p:spPr>
           <a:xfrm>
-            <a:off x="4199037" y="3940298"/>
-            <a:ext cx="2762295" cy="369332"/>
+            <a:off x="4988430" y="1423112"/>
+            <a:ext cx="2492990" cy="369332"/>
           </a:xfrm>
           <a:prstGeom prst="rect">
             <a:avLst/>
@@ -13082,13 +12989,22 @@
           <a:lstStyle/>
           <a:p>
             <a:r>
+              <a:rPr lang="en-US" b="1" dirty="0" smtClean="0">
+                <a:solidFill>
+                  <a:srgbClr val="000000"/>
+                </a:solidFill>
+                <a:latin typeface="Helvetica Neue"/>
+              </a:rPr>
+              <a:t>Step 4: Split </a:t>
+            </a:r>
+            <a:r>
               <a:rPr lang="en-US" b="1" dirty="0">
                 <a:solidFill>
                   <a:srgbClr val="000000"/>
                 </a:solidFill>
                 <a:latin typeface="Helvetica Neue"/>
               </a:rPr>
-              <a:t>Get the Cluster Centers</a:t>
+              <a:t>the Data</a:t>
             </a:r>
             <a:endParaRPr lang="en-US" b="1" i="0" dirty="0">
               <a:solidFill>
@@ -13102,7 +13018,7 @@
       </p:sp>
       <p:pic>
         <p:nvPicPr>
-          <p:cNvPr id="9" name="Picture 8"/>
+          <p:cNvPr id="12" name="Picture 11"/>
           <p:cNvPicPr>
             <a:picLocks noChangeAspect="1"/>
           </p:cNvPicPr>
@@ -13116,8 +13032,8 @@
         </p:blipFill>
         <p:spPr>
           <a:xfrm>
-            <a:off x="976923" y="5018331"/>
-            <a:ext cx="4981575" cy="1057275"/>
+            <a:off x="1441816" y="3453689"/>
+            <a:ext cx="7765073" cy="1512011"/>
           </a:xfrm>
           <a:prstGeom prst="rect">
             <a:avLst/>
@@ -13126,14 +13042,14 @@
       </p:pic>
       <p:sp>
         <p:nvSpPr>
-          <p:cNvPr id="10" name="Rectangle 9"/>
+          <p:cNvPr id="13" name="Rectangle 12"/>
           <p:cNvSpPr/>
           <p:nvPr/>
         </p:nvSpPr>
         <p:spPr>
           <a:xfrm>
-            <a:off x="6961332" y="5362302"/>
-            <a:ext cx="1954381" cy="369332"/>
+            <a:off x="6688175" y="3084357"/>
+            <a:ext cx="3813929" cy="369332"/>
           </a:xfrm>
           <a:prstGeom prst="rect">
             <a:avLst/>
@@ -13146,13 +13062,22 @@
           <a:lstStyle/>
           <a:p>
             <a:r>
+              <a:rPr lang="en-US" b="1" dirty="0" smtClean="0">
+                <a:solidFill>
+                  <a:srgbClr val="000000"/>
+                </a:solidFill>
+                <a:latin typeface="Helvetica Neue"/>
+              </a:rPr>
+              <a:t>Step 5: Prepare </a:t>
+            </a:r>
+            <a:r>
               <a:rPr lang="en-US" b="1" dirty="0">
                 <a:solidFill>
                   <a:srgbClr val="000000"/>
                 </a:solidFill>
                 <a:latin typeface="Helvetica Neue"/>
               </a:rPr>
-              <a:t>Predict Clusters</a:t>
+              <a:t>the Training Data</a:t>
             </a:r>
             <a:endParaRPr lang="en-US" b="1" i="0" dirty="0">
               <a:solidFill>
@@ -13164,10 +13089,83 @@
           </a:p>
         </p:txBody>
       </p:sp>
+      <p:pic>
+        <p:nvPicPr>
+          <p:cNvPr id="14" name="Picture 13"/>
+          <p:cNvPicPr>
+            <a:picLocks noChangeAspect="1"/>
+          </p:cNvPicPr>
+          <p:nvPr/>
+        </p:nvPicPr>
+        <p:blipFill>
+          <a:blip r:embed="rId5"/>
+          <a:stretch>
+            <a:fillRect/>
+          </a:stretch>
+        </p:blipFill>
+        <p:spPr>
+          <a:xfrm>
+            <a:off x="4600575" y="5216690"/>
+            <a:ext cx="6753225" cy="1009650"/>
+          </a:xfrm>
+          <a:prstGeom prst="rect">
+            <a:avLst/>
+          </a:prstGeom>
+        </p:spPr>
+      </p:pic>
+      <p:sp>
+        <p:nvSpPr>
+          <p:cNvPr id="15" name="Rectangle 14"/>
+          <p:cNvSpPr/>
+          <p:nvPr/>
+        </p:nvSpPr>
+        <p:spPr>
+          <a:xfrm>
+            <a:off x="7650996" y="4906529"/>
+            <a:ext cx="3813929" cy="369332"/>
+          </a:xfrm>
+          <a:prstGeom prst="rect">
+            <a:avLst/>
+          </a:prstGeom>
+        </p:spPr>
+        <p:txBody>
+          <a:bodyPr wrap="none">
+            <a:spAutoFit/>
+          </a:bodyPr>
+          <a:lstStyle/>
+          <a:p>
+            <a:r>
+              <a:rPr lang="en-US" b="1" dirty="0" smtClean="0">
+                <a:solidFill>
+                  <a:srgbClr val="000000"/>
+                </a:solidFill>
+                <a:latin typeface="Helvetica Neue"/>
+              </a:rPr>
+              <a:t>Step 6: Train </a:t>
+            </a:r>
+            <a:r>
+              <a:rPr lang="en-US" b="1" dirty="0">
+                <a:solidFill>
+                  <a:srgbClr val="000000"/>
+                </a:solidFill>
+                <a:latin typeface="Helvetica Neue"/>
+              </a:rPr>
+              <a:t>a Regression Model</a:t>
+            </a:r>
+            <a:endParaRPr lang="en-US" b="1" i="0" dirty="0">
+              <a:solidFill>
+                <a:srgbClr val="000000"/>
+              </a:solidFill>
+              <a:effectLst/>
+              <a:latin typeface="Helvetica Neue"/>
+            </a:endParaRPr>
+          </a:p>
+        </p:txBody>
+      </p:sp>
     </p:spTree>
     <p:extLst>
       <p:ext uri="{BB962C8B-B14F-4D97-AF65-F5344CB8AC3E}">
-        <p14:creationId xmlns:p14="http://schemas.microsoft.com/office/powerpoint/2010/main" val="3218687228"/>
+        <p14:creationId xmlns:p14="http://schemas.microsoft.com/office/powerpoint/2010/main" val="2441343753"/>
       </p:ext>
     </p:extLst>
   </p:cSld>
@@ -13268,15 +13266,7 @@
             </a:pPr>
             <a:r>
               <a:rPr lang="en-US" dirty="0" smtClean="0"/>
-              <a:t>Demo</a:t>
-            </a:r>
-            <a:r>
-              <a:rPr lang="en-US" dirty="0" smtClean="0"/>
-              <a:t>: Create Spark Cluster on </a:t>
-            </a:r>
-            <a:r>
-              <a:rPr lang="en-US" dirty="0" smtClean="0"/>
-              <a:t>Azure</a:t>
+              <a:t>Demo: Create Spark Cluster on Azure</a:t>
             </a:r>
           </a:p>
           <a:p>
@@ -13308,7 +13298,6 @@
               <a:rPr lang="en-US" dirty="0" smtClean="0"/>
               <a:t>Demo: Operations of RDD, DataFrames and SQL</a:t>
             </a:r>
-            <a:endParaRPr lang="en-US" dirty="0" smtClean="0"/>
           </a:p>
           <a:p>
             <a:pPr>
@@ -13453,7 +13442,981 @@
           <a:p>
             <a:r>
               <a:rPr lang="en-US" dirty="0" smtClean="0"/>
-              <a:t>More Example: Recommendation</a:t>
+              <a:t>Example: Regression III</a:t>
+            </a:r>
+            <a:endParaRPr lang="en-US" dirty="0"/>
+          </a:p>
+        </p:txBody>
+      </p:sp>
+      <p:pic>
+        <p:nvPicPr>
+          <p:cNvPr id="7" name="Picture 6"/>
+          <p:cNvPicPr>
+            <a:picLocks noChangeAspect="1"/>
+          </p:cNvPicPr>
+          <p:nvPr/>
+        </p:nvPicPr>
+        <p:blipFill>
+          <a:blip r:embed="rId2"/>
+          <a:stretch>
+            <a:fillRect/>
+          </a:stretch>
+        </p:blipFill>
+        <p:spPr>
+          <a:xfrm>
+            <a:off x="893274" y="1844357"/>
+            <a:ext cx="8201025" cy="1428750"/>
+          </a:xfrm>
+          <a:prstGeom prst="rect">
+            <a:avLst/>
+          </a:prstGeom>
+        </p:spPr>
+      </p:pic>
+      <p:sp>
+        <p:nvSpPr>
+          <p:cNvPr id="8" name="Rectangle 7"/>
+          <p:cNvSpPr/>
+          <p:nvPr/>
+        </p:nvSpPr>
+        <p:spPr>
+          <a:xfrm>
+            <a:off x="5374498" y="1506022"/>
+            <a:ext cx="3719801" cy="369332"/>
+          </a:xfrm>
+          <a:prstGeom prst="rect">
+            <a:avLst/>
+          </a:prstGeom>
+        </p:spPr>
+        <p:txBody>
+          <a:bodyPr wrap="none">
+            <a:spAutoFit/>
+          </a:bodyPr>
+          <a:lstStyle/>
+          <a:p>
+            <a:r>
+              <a:rPr lang="en-US" b="1" dirty="0" smtClean="0">
+                <a:solidFill>
+                  <a:srgbClr val="000000"/>
+                </a:solidFill>
+                <a:latin typeface="Helvetica Neue"/>
+              </a:rPr>
+              <a:t>Step 7: Prepare </a:t>
+            </a:r>
+            <a:r>
+              <a:rPr lang="en-US" b="1" dirty="0">
+                <a:solidFill>
+                  <a:srgbClr val="000000"/>
+                </a:solidFill>
+                <a:latin typeface="Helvetica Neue"/>
+              </a:rPr>
+              <a:t>the Testing Data</a:t>
+            </a:r>
+            <a:endParaRPr lang="en-US" b="1" i="0" dirty="0">
+              <a:solidFill>
+                <a:srgbClr val="000000"/>
+              </a:solidFill>
+              <a:effectLst/>
+              <a:latin typeface="Helvetica Neue"/>
+            </a:endParaRPr>
+          </a:p>
+        </p:txBody>
+      </p:sp>
+      <p:pic>
+        <p:nvPicPr>
+          <p:cNvPr id="9" name="Picture 8"/>
+          <p:cNvPicPr>
+            <a:picLocks noChangeAspect="1"/>
+          </p:cNvPicPr>
+          <p:nvPr/>
+        </p:nvPicPr>
+        <p:blipFill>
+          <a:blip r:embed="rId3"/>
+          <a:stretch>
+            <a:fillRect/>
+          </a:stretch>
+        </p:blipFill>
+        <p:spPr>
+          <a:xfrm>
+            <a:off x="3772222" y="3890327"/>
+            <a:ext cx="5324475" cy="1533525"/>
+          </a:xfrm>
+          <a:prstGeom prst="rect">
+            <a:avLst/>
+          </a:prstGeom>
+        </p:spPr>
+      </p:pic>
+      <p:sp>
+        <p:nvSpPr>
+          <p:cNvPr id="10" name="Rectangle 9"/>
+          <p:cNvSpPr/>
+          <p:nvPr/>
+        </p:nvSpPr>
+        <p:spPr>
+          <a:xfrm>
+            <a:off x="7399826" y="3520995"/>
+            <a:ext cx="2616935" cy="369332"/>
+          </a:xfrm>
+          <a:prstGeom prst="rect">
+            <a:avLst/>
+          </a:prstGeom>
+        </p:spPr>
+        <p:txBody>
+          <a:bodyPr wrap="none">
+            <a:spAutoFit/>
+          </a:bodyPr>
+          <a:lstStyle/>
+          <a:p>
+            <a:r>
+              <a:rPr lang="en-US" b="1" dirty="0" smtClean="0">
+                <a:solidFill>
+                  <a:srgbClr val="000000"/>
+                </a:solidFill>
+                <a:latin typeface="Helvetica Neue"/>
+              </a:rPr>
+              <a:t>Step 8: Test </a:t>
+            </a:r>
+            <a:r>
+              <a:rPr lang="en-US" b="1" dirty="0">
+                <a:solidFill>
+                  <a:srgbClr val="000000"/>
+                </a:solidFill>
+                <a:latin typeface="Helvetica Neue"/>
+              </a:rPr>
+              <a:t>the Model</a:t>
+            </a:r>
+            <a:endParaRPr lang="en-US" b="1" i="0" dirty="0">
+              <a:solidFill>
+                <a:srgbClr val="000000"/>
+              </a:solidFill>
+              <a:effectLst/>
+              <a:latin typeface="Helvetica Neue"/>
+            </a:endParaRPr>
+          </a:p>
+        </p:txBody>
+      </p:sp>
+    </p:spTree>
+    <p:extLst>
+      <p:ext uri="{BB962C8B-B14F-4D97-AF65-F5344CB8AC3E}">
+        <p14:creationId xmlns:p14="http://schemas.microsoft.com/office/powerpoint/2010/main" val="3373317589"/>
+      </p:ext>
+    </p:extLst>
+  </p:cSld>
+  <p:clrMapOvr>
+    <a:masterClrMapping/>
+  </p:clrMapOvr>
+</p:sld>
+</file>
+
+<file path=ppt/slides/slide31.xml><?xml version="1.0" encoding="utf-8"?>
+<p:sld xmlns:a="http://schemas.openxmlformats.org/drawingml/2006/main" xmlns:r="http://schemas.openxmlformats.org/officeDocument/2006/relationships" xmlns:p="http://schemas.openxmlformats.org/presentationml/2006/main">
+  <p:cSld>
+    <p:spTree>
+      <p:nvGrpSpPr>
+        <p:cNvPr id="1" name=""/>
+        <p:cNvGrpSpPr/>
+        <p:nvPr/>
+      </p:nvGrpSpPr>
+      <p:grpSpPr>
+        <a:xfrm>
+          <a:off x="0" y="0"/>
+          <a:ext cx="0" cy="0"/>
+          <a:chOff x="0" y="0"/>
+          <a:chExt cx="0" cy="0"/>
+        </a:xfrm>
+      </p:grpSpPr>
+      <p:sp>
+        <p:nvSpPr>
+          <p:cNvPr id="2" name="Title 1"/>
+          <p:cNvSpPr>
+            <a:spLocks noGrp="1"/>
+          </p:cNvSpPr>
+          <p:nvPr>
+            <p:ph type="title"/>
+          </p:nvPr>
+        </p:nvSpPr>
+        <p:spPr/>
+        <p:txBody>
+          <a:bodyPr/>
+          <a:lstStyle/>
+          <a:p>
+            <a:r>
+              <a:rPr lang="en-US" dirty="0" smtClean="0"/>
+              <a:t>Example: Pipeline</a:t>
+            </a:r>
+            <a:endParaRPr lang="en-US" dirty="0"/>
+          </a:p>
+        </p:txBody>
+      </p:sp>
+      <p:pic>
+        <p:nvPicPr>
+          <p:cNvPr id="6" name="Picture 5"/>
+          <p:cNvPicPr>
+            <a:picLocks noChangeAspect="1"/>
+          </p:cNvPicPr>
+          <p:nvPr/>
+        </p:nvPicPr>
+        <p:blipFill>
+          <a:blip r:embed="rId2"/>
+          <a:stretch>
+            <a:fillRect/>
+          </a:stretch>
+        </p:blipFill>
+        <p:spPr>
+          <a:xfrm>
+            <a:off x="939800" y="2582284"/>
+            <a:ext cx="8686800" cy="1857375"/>
+          </a:xfrm>
+          <a:prstGeom prst="rect">
+            <a:avLst/>
+          </a:prstGeom>
+        </p:spPr>
+      </p:pic>
+      <p:sp>
+        <p:nvSpPr>
+          <p:cNvPr id="7" name="Rectangle 6"/>
+          <p:cNvSpPr/>
+          <p:nvPr/>
+        </p:nvSpPr>
+        <p:spPr>
+          <a:xfrm>
+            <a:off x="6572423" y="2148429"/>
+            <a:ext cx="3082895" cy="369332"/>
+          </a:xfrm>
+          <a:prstGeom prst="rect">
+            <a:avLst/>
+          </a:prstGeom>
+        </p:spPr>
+        <p:txBody>
+          <a:bodyPr wrap="none">
+            <a:spAutoFit/>
+          </a:bodyPr>
+          <a:lstStyle/>
+          <a:p>
+            <a:r>
+              <a:rPr lang="en-US" b="1" dirty="0" smtClean="0">
+                <a:solidFill>
+                  <a:srgbClr val="000000"/>
+                </a:solidFill>
+                <a:latin typeface="Helvetica Neue"/>
+              </a:rPr>
+              <a:t>Step 1: Define </a:t>
+            </a:r>
+            <a:r>
+              <a:rPr lang="en-US" b="1" dirty="0">
+                <a:solidFill>
+                  <a:srgbClr val="000000"/>
+                </a:solidFill>
+                <a:latin typeface="Helvetica Neue"/>
+              </a:rPr>
+              <a:t>the Pipeline</a:t>
+            </a:r>
+            <a:endParaRPr lang="en-US" b="1" i="0" dirty="0">
+              <a:solidFill>
+                <a:srgbClr val="000000"/>
+              </a:solidFill>
+              <a:effectLst/>
+              <a:latin typeface="Helvetica Neue"/>
+            </a:endParaRPr>
+          </a:p>
+        </p:txBody>
+      </p:sp>
+      <p:pic>
+        <p:nvPicPr>
+          <p:cNvPr id="8" name="Picture 7"/>
+          <p:cNvPicPr>
+            <a:picLocks noChangeAspect="1"/>
+          </p:cNvPicPr>
+          <p:nvPr/>
+        </p:nvPicPr>
+        <p:blipFill>
+          <a:blip r:embed="rId3"/>
+          <a:stretch>
+            <a:fillRect/>
+          </a:stretch>
+        </p:blipFill>
+        <p:spPr>
+          <a:xfrm>
+            <a:off x="939800" y="4566276"/>
+            <a:ext cx="2867025" cy="666750"/>
+          </a:xfrm>
+          <a:prstGeom prst="rect">
+            <a:avLst/>
+          </a:prstGeom>
+        </p:spPr>
+      </p:pic>
+      <p:pic>
+        <p:nvPicPr>
+          <p:cNvPr id="9" name="Picture 8"/>
+          <p:cNvPicPr>
+            <a:picLocks noChangeAspect="1"/>
+          </p:cNvPicPr>
+          <p:nvPr/>
+        </p:nvPicPr>
+        <p:blipFill>
+          <a:blip r:embed="rId4"/>
+          <a:stretch>
+            <a:fillRect/>
+          </a:stretch>
+        </p:blipFill>
+        <p:spPr>
+          <a:xfrm>
+            <a:off x="939800" y="5359644"/>
+            <a:ext cx="5286375" cy="781050"/>
+          </a:xfrm>
+          <a:prstGeom prst="rect">
+            <a:avLst/>
+          </a:prstGeom>
+        </p:spPr>
+      </p:pic>
+      <p:sp>
+        <p:nvSpPr>
+          <p:cNvPr id="10" name="Rectangle 9"/>
+          <p:cNvSpPr/>
+          <p:nvPr/>
+        </p:nvSpPr>
+        <p:spPr>
+          <a:xfrm>
+            <a:off x="4267946" y="4672381"/>
+            <a:ext cx="4608954" cy="369332"/>
+          </a:xfrm>
+          <a:prstGeom prst="rect">
+            <a:avLst/>
+          </a:prstGeom>
+        </p:spPr>
+        <p:txBody>
+          <a:bodyPr wrap="none">
+            <a:spAutoFit/>
+          </a:bodyPr>
+          <a:lstStyle/>
+          <a:p>
+            <a:r>
+              <a:rPr lang="en-US" b="1" dirty="0" smtClean="0">
+                <a:solidFill>
+                  <a:srgbClr val="000000"/>
+                </a:solidFill>
+                <a:latin typeface="Helvetica Neue"/>
+              </a:rPr>
+              <a:t>Step 2: Run </a:t>
+            </a:r>
+            <a:r>
+              <a:rPr lang="en-US" b="1" dirty="0">
+                <a:solidFill>
+                  <a:srgbClr val="000000"/>
+                </a:solidFill>
+                <a:latin typeface="Helvetica Neue"/>
+              </a:rPr>
+              <a:t>the Pipeline as an Estimator</a:t>
+            </a:r>
+            <a:endParaRPr lang="en-US" b="1" i="0" dirty="0">
+              <a:solidFill>
+                <a:srgbClr val="000000"/>
+              </a:solidFill>
+              <a:effectLst/>
+              <a:latin typeface="Helvetica Neue"/>
+            </a:endParaRPr>
+          </a:p>
+        </p:txBody>
+      </p:sp>
+      <p:sp>
+        <p:nvSpPr>
+          <p:cNvPr id="11" name="Rectangle 10"/>
+          <p:cNvSpPr/>
+          <p:nvPr/>
+        </p:nvSpPr>
+        <p:spPr>
+          <a:xfrm>
+            <a:off x="6462449" y="5565503"/>
+            <a:ext cx="3565913" cy="369332"/>
+          </a:xfrm>
+          <a:prstGeom prst="rect">
+            <a:avLst/>
+          </a:prstGeom>
+        </p:spPr>
+        <p:txBody>
+          <a:bodyPr wrap="none">
+            <a:spAutoFit/>
+          </a:bodyPr>
+          <a:lstStyle/>
+          <a:p>
+            <a:r>
+              <a:rPr lang="en-US" b="1" dirty="0" smtClean="0">
+                <a:solidFill>
+                  <a:srgbClr val="000000"/>
+                </a:solidFill>
+                <a:latin typeface="Helvetica Neue"/>
+              </a:rPr>
+              <a:t>Step 3: Test </a:t>
+            </a:r>
+            <a:r>
+              <a:rPr lang="en-US" b="1" dirty="0">
+                <a:solidFill>
+                  <a:srgbClr val="000000"/>
+                </a:solidFill>
+                <a:latin typeface="Helvetica Neue"/>
+              </a:rPr>
+              <a:t>the Pipeline Model</a:t>
+            </a:r>
+            <a:endParaRPr lang="en-US" b="1" i="0" dirty="0">
+              <a:solidFill>
+                <a:srgbClr val="000000"/>
+              </a:solidFill>
+              <a:effectLst/>
+              <a:latin typeface="Helvetica Neue"/>
+            </a:endParaRPr>
+          </a:p>
+        </p:txBody>
+      </p:sp>
+    </p:spTree>
+    <p:extLst>
+      <p:ext uri="{BB962C8B-B14F-4D97-AF65-F5344CB8AC3E}">
+        <p14:creationId xmlns:p14="http://schemas.microsoft.com/office/powerpoint/2010/main" val="3684916204"/>
+      </p:ext>
+    </p:extLst>
+  </p:cSld>
+  <p:clrMapOvr>
+    <a:masterClrMapping/>
+  </p:clrMapOvr>
+</p:sld>
+</file>
+
+<file path=ppt/slides/slide32.xml><?xml version="1.0" encoding="utf-8"?>
+<p:sld xmlns:a="http://schemas.openxmlformats.org/drawingml/2006/main" xmlns:r="http://schemas.openxmlformats.org/officeDocument/2006/relationships" xmlns:p="http://schemas.openxmlformats.org/presentationml/2006/main">
+  <p:cSld>
+    <p:spTree>
+      <p:nvGrpSpPr>
+        <p:cNvPr id="1" name=""/>
+        <p:cNvGrpSpPr/>
+        <p:nvPr/>
+      </p:nvGrpSpPr>
+      <p:grpSpPr>
+        <a:xfrm>
+          <a:off x="0" y="0"/>
+          <a:ext cx="0" cy="0"/>
+          <a:chOff x="0" y="0"/>
+          <a:chExt cx="0" cy="0"/>
+        </a:xfrm>
+      </p:grpSpPr>
+      <p:sp>
+        <p:nvSpPr>
+          <p:cNvPr id="2" name="Title 1"/>
+          <p:cNvSpPr>
+            <a:spLocks noGrp="1"/>
+          </p:cNvSpPr>
+          <p:nvPr>
+            <p:ph type="title"/>
+          </p:nvPr>
+        </p:nvSpPr>
+        <p:spPr/>
+        <p:txBody>
+          <a:bodyPr/>
+          <a:lstStyle/>
+          <a:p>
+            <a:r>
+              <a:rPr lang="en-US" dirty="0" smtClean="0"/>
+              <a:t>Example: </a:t>
+            </a:r>
+            <a:r>
+              <a:rPr lang="en-US" dirty="0"/>
+              <a:t>Text </a:t>
+            </a:r>
+            <a:r>
+              <a:rPr lang="en-US" dirty="0" smtClean="0"/>
+              <a:t>Analysis</a:t>
+            </a:r>
+            <a:endParaRPr lang="en-US" dirty="0"/>
+          </a:p>
+        </p:txBody>
+      </p:sp>
+      <p:pic>
+        <p:nvPicPr>
+          <p:cNvPr id="5" name="Picture 4"/>
+          <p:cNvPicPr>
+            <a:picLocks noChangeAspect="1"/>
+          </p:cNvPicPr>
+          <p:nvPr/>
+        </p:nvPicPr>
+        <p:blipFill>
+          <a:blip r:embed="rId2"/>
+          <a:stretch>
+            <a:fillRect/>
+          </a:stretch>
+        </p:blipFill>
+        <p:spPr>
+          <a:xfrm>
+            <a:off x="979242" y="1748570"/>
+            <a:ext cx="7048500" cy="2724150"/>
+          </a:xfrm>
+          <a:prstGeom prst="rect">
+            <a:avLst/>
+          </a:prstGeom>
+        </p:spPr>
+      </p:pic>
+      <p:pic>
+        <p:nvPicPr>
+          <p:cNvPr id="6" name="Picture 5"/>
+          <p:cNvPicPr>
+            <a:picLocks noChangeAspect="1"/>
+          </p:cNvPicPr>
+          <p:nvPr/>
+        </p:nvPicPr>
+        <p:blipFill>
+          <a:blip r:embed="rId3"/>
+          <a:stretch>
+            <a:fillRect/>
+          </a:stretch>
+        </p:blipFill>
+        <p:spPr>
+          <a:xfrm>
+            <a:off x="979242" y="4472720"/>
+            <a:ext cx="3152775" cy="657225"/>
+          </a:xfrm>
+          <a:prstGeom prst="rect">
+            <a:avLst/>
+          </a:prstGeom>
+        </p:spPr>
+      </p:pic>
+      <p:pic>
+        <p:nvPicPr>
+          <p:cNvPr id="7" name="Picture 6"/>
+          <p:cNvPicPr>
+            <a:picLocks noChangeAspect="1"/>
+          </p:cNvPicPr>
+          <p:nvPr/>
+        </p:nvPicPr>
+        <p:blipFill>
+          <a:blip r:embed="rId4"/>
+          <a:stretch>
+            <a:fillRect/>
+          </a:stretch>
+        </p:blipFill>
+        <p:spPr>
+          <a:xfrm>
+            <a:off x="6096000" y="5577620"/>
+            <a:ext cx="5848350" cy="847725"/>
+          </a:xfrm>
+          <a:prstGeom prst="rect">
+            <a:avLst/>
+          </a:prstGeom>
+        </p:spPr>
+      </p:pic>
+      <p:sp>
+        <p:nvSpPr>
+          <p:cNvPr id="8" name="Rectangle 7"/>
+          <p:cNvSpPr/>
+          <p:nvPr/>
+        </p:nvSpPr>
+        <p:spPr>
+          <a:xfrm>
+            <a:off x="979242" y="5162251"/>
+            <a:ext cx="4608954" cy="369332"/>
+          </a:xfrm>
+          <a:prstGeom prst="rect">
+            <a:avLst/>
+          </a:prstGeom>
+        </p:spPr>
+        <p:txBody>
+          <a:bodyPr wrap="none">
+            <a:spAutoFit/>
+          </a:bodyPr>
+          <a:lstStyle/>
+          <a:p>
+            <a:r>
+              <a:rPr lang="en-US" b="1" dirty="0" smtClean="0">
+                <a:solidFill>
+                  <a:srgbClr val="000000"/>
+                </a:solidFill>
+                <a:latin typeface="Helvetica Neue"/>
+              </a:rPr>
+              <a:t>Step 2: Run </a:t>
+            </a:r>
+            <a:r>
+              <a:rPr lang="en-US" b="1" dirty="0">
+                <a:solidFill>
+                  <a:srgbClr val="000000"/>
+                </a:solidFill>
+                <a:latin typeface="Helvetica Neue"/>
+              </a:rPr>
+              <a:t>the Pipeline as an Estimator</a:t>
+            </a:r>
+            <a:endParaRPr lang="en-US" b="1" i="0" dirty="0">
+              <a:solidFill>
+                <a:srgbClr val="000000"/>
+              </a:solidFill>
+              <a:effectLst/>
+              <a:latin typeface="Helvetica Neue"/>
+            </a:endParaRPr>
+          </a:p>
+        </p:txBody>
+      </p:sp>
+      <p:sp>
+        <p:nvSpPr>
+          <p:cNvPr id="9" name="Rectangle 8"/>
+          <p:cNvSpPr/>
+          <p:nvPr/>
+        </p:nvSpPr>
+        <p:spPr>
+          <a:xfrm>
+            <a:off x="8378437" y="5208288"/>
+            <a:ext cx="3565913" cy="369332"/>
+          </a:xfrm>
+          <a:prstGeom prst="rect">
+            <a:avLst/>
+          </a:prstGeom>
+        </p:spPr>
+        <p:txBody>
+          <a:bodyPr wrap="none">
+            <a:spAutoFit/>
+          </a:bodyPr>
+          <a:lstStyle/>
+          <a:p>
+            <a:r>
+              <a:rPr lang="en-US" b="1" dirty="0" smtClean="0">
+                <a:solidFill>
+                  <a:srgbClr val="000000"/>
+                </a:solidFill>
+                <a:latin typeface="Helvetica Neue"/>
+              </a:rPr>
+              <a:t>Step 3: Test </a:t>
+            </a:r>
+            <a:r>
+              <a:rPr lang="en-US" b="1" dirty="0">
+                <a:solidFill>
+                  <a:srgbClr val="000000"/>
+                </a:solidFill>
+                <a:latin typeface="Helvetica Neue"/>
+              </a:rPr>
+              <a:t>the Pipeline Model</a:t>
+            </a:r>
+            <a:endParaRPr lang="en-US" b="1" i="0" dirty="0">
+              <a:solidFill>
+                <a:srgbClr val="000000"/>
+              </a:solidFill>
+              <a:effectLst/>
+              <a:latin typeface="Helvetica Neue"/>
+            </a:endParaRPr>
+          </a:p>
+        </p:txBody>
+      </p:sp>
+    </p:spTree>
+    <p:extLst>
+      <p:ext uri="{BB962C8B-B14F-4D97-AF65-F5344CB8AC3E}">
+        <p14:creationId xmlns:p14="http://schemas.microsoft.com/office/powerpoint/2010/main" val="951947433"/>
+      </p:ext>
+    </p:extLst>
+  </p:cSld>
+  <p:clrMapOvr>
+    <a:masterClrMapping/>
+  </p:clrMapOvr>
+</p:sld>
+</file>
+
+<file path=ppt/slides/slide33.xml><?xml version="1.0" encoding="utf-8"?>
+<p:sld xmlns:a="http://schemas.openxmlformats.org/drawingml/2006/main" xmlns:r="http://schemas.openxmlformats.org/officeDocument/2006/relationships" xmlns:p="http://schemas.openxmlformats.org/presentationml/2006/main">
+  <p:cSld>
+    <p:spTree>
+      <p:nvGrpSpPr>
+        <p:cNvPr id="1" name=""/>
+        <p:cNvGrpSpPr/>
+        <p:nvPr/>
+      </p:nvGrpSpPr>
+      <p:grpSpPr>
+        <a:xfrm>
+          <a:off x="0" y="0"/>
+          <a:ext cx="0" cy="0"/>
+          <a:chOff x="0" y="0"/>
+          <a:chExt cx="0" cy="0"/>
+        </a:xfrm>
+      </p:grpSpPr>
+      <p:sp>
+        <p:nvSpPr>
+          <p:cNvPr id="2" name="Title 1"/>
+          <p:cNvSpPr>
+            <a:spLocks noGrp="1"/>
+          </p:cNvSpPr>
+          <p:nvPr>
+            <p:ph type="title"/>
+          </p:nvPr>
+        </p:nvSpPr>
+        <p:spPr/>
+        <p:txBody>
+          <a:bodyPr/>
+          <a:lstStyle/>
+          <a:p>
+            <a:r>
+              <a:rPr lang="en-US" dirty="0" smtClean="0"/>
+              <a:t>Example: Clustering</a:t>
+            </a:r>
+            <a:endParaRPr lang="en-US" dirty="0"/>
+          </a:p>
+        </p:txBody>
+      </p:sp>
+      <p:pic>
+        <p:nvPicPr>
+          <p:cNvPr id="5" name="Picture 4"/>
+          <p:cNvPicPr>
+            <a:picLocks noChangeAspect="1"/>
+          </p:cNvPicPr>
+          <p:nvPr/>
+        </p:nvPicPr>
+        <p:blipFill>
+          <a:blip r:embed="rId2"/>
+          <a:stretch>
+            <a:fillRect/>
+          </a:stretch>
+        </p:blipFill>
+        <p:spPr>
+          <a:xfrm>
+            <a:off x="976923" y="1690688"/>
+            <a:ext cx="9753600" cy="1704975"/>
+          </a:xfrm>
+          <a:prstGeom prst="rect">
+            <a:avLst/>
+          </a:prstGeom>
+        </p:spPr>
+      </p:pic>
+      <p:sp>
+        <p:nvSpPr>
+          <p:cNvPr id="6" name="Rectangle 5"/>
+          <p:cNvSpPr/>
+          <p:nvPr/>
+        </p:nvSpPr>
+        <p:spPr>
+          <a:xfrm>
+            <a:off x="7585518" y="1423349"/>
+            <a:ext cx="3903633" cy="369332"/>
+          </a:xfrm>
+          <a:prstGeom prst="rect">
+            <a:avLst/>
+          </a:prstGeom>
+        </p:spPr>
+        <p:txBody>
+          <a:bodyPr wrap="none">
+            <a:spAutoFit/>
+          </a:bodyPr>
+          <a:lstStyle/>
+          <a:p>
+            <a:r>
+              <a:rPr lang="en-US" b="1" dirty="0" smtClean="0">
+                <a:solidFill>
+                  <a:srgbClr val="000000"/>
+                </a:solidFill>
+                <a:latin typeface="Helvetica Neue"/>
+              </a:rPr>
+              <a:t>Step 1: Create </a:t>
+            </a:r>
+            <a:r>
+              <a:rPr lang="en-US" b="1" dirty="0">
+                <a:solidFill>
+                  <a:srgbClr val="000000"/>
+                </a:solidFill>
+                <a:latin typeface="Helvetica Neue"/>
+              </a:rPr>
+              <a:t>the K-Means Model</a:t>
+            </a:r>
+            <a:endParaRPr lang="en-US" b="1" i="0" dirty="0">
+              <a:solidFill>
+                <a:srgbClr val="000000"/>
+              </a:solidFill>
+              <a:effectLst/>
+              <a:latin typeface="Helvetica Neue"/>
+            </a:endParaRPr>
+          </a:p>
+        </p:txBody>
+      </p:sp>
+      <p:pic>
+        <p:nvPicPr>
+          <p:cNvPr id="7" name="Picture 6"/>
+          <p:cNvPicPr>
+            <a:picLocks noChangeAspect="1"/>
+          </p:cNvPicPr>
+          <p:nvPr/>
+        </p:nvPicPr>
+        <p:blipFill>
+          <a:blip r:embed="rId3"/>
+          <a:stretch>
+            <a:fillRect/>
+          </a:stretch>
+        </p:blipFill>
+        <p:spPr>
+          <a:xfrm>
+            <a:off x="976923" y="3663002"/>
+            <a:ext cx="3086100" cy="923925"/>
+          </a:xfrm>
+          <a:prstGeom prst="rect">
+            <a:avLst/>
+          </a:prstGeom>
+        </p:spPr>
+      </p:pic>
+      <p:sp>
+        <p:nvSpPr>
+          <p:cNvPr id="8" name="Rectangle 7"/>
+          <p:cNvSpPr/>
+          <p:nvPr/>
+        </p:nvSpPr>
+        <p:spPr>
+          <a:xfrm>
+            <a:off x="4199037" y="3940298"/>
+            <a:ext cx="3595856" cy="369332"/>
+          </a:xfrm>
+          <a:prstGeom prst="rect">
+            <a:avLst/>
+          </a:prstGeom>
+        </p:spPr>
+        <p:txBody>
+          <a:bodyPr wrap="none">
+            <a:spAutoFit/>
+          </a:bodyPr>
+          <a:lstStyle/>
+          <a:p>
+            <a:r>
+              <a:rPr lang="en-US" b="1" dirty="0" smtClean="0">
+                <a:solidFill>
+                  <a:srgbClr val="000000"/>
+                </a:solidFill>
+                <a:latin typeface="Helvetica Neue"/>
+              </a:rPr>
+              <a:t>Step 2: Get </a:t>
+            </a:r>
+            <a:r>
+              <a:rPr lang="en-US" b="1" dirty="0">
+                <a:solidFill>
+                  <a:srgbClr val="000000"/>
+                </a:solidFill>
+                <a:latin typeface="Helvetica Neue"/>
+              </a:rPr>
+              <a:t>the Cluster Centers</a:t>
+            </a:r>
+            <a:endParaRPr lang="en-US" b="1" i="0" dirty="0">
+              <a:solidFill>
+                <a:srgbClr val="000000"/>
+              </a:solidFill>
+              <a:effectLst/>
+              <a:latin typeface="Helvetica Neue"/>
+            </a:endParaRPr>
+          </a:p>
+        </p:txBody>
+      </p:sp>
+      <p:pic>
+        <p:nvPicPr>
+          <p:cNvPr id="9" name="Picture 8"/>
+          <p:cNvPicPr>
+            <a:picLocks noChangeAspect="1"/>
+          </p:cNvPicPr>
+          <p:nvPr/>
+        </p:nvPicPr>
+        <p:blipFill>
+          <a:blip r:embed="rId4"/>
+          <a:stretch>
+            <a:fillRect/>
+          </a:stretch>
+        </p:blipFill>
+        <p:spPr>
+          <a:xfrm>
+            <a:off x="976923" y="5018331"/>
+            <a:ext cx="4981575" cy="1057275"/>
+          </a:xfrm>
+          <a:prstGeom prst="rect">
+            <a:avLst/>
+          </a:prstGeom>
+        </p:spPr>
+      </p:pic>
+      <p:sp>
+        <p:nvSpPr>
+          <p:cNvPr id="10" name="Rectangle 9"/>
+          <p:cNvSpPr/>
+          <p:nvPr/>
+        </p:nvSpPr>
+        <p:spPr>
+          <a:xfrm>
+            <a:off x="6191546" y="5362302"/>
+            <a:ext cx="2787943" cy="369332"/>
+          </a:xfrm>
+          <a:prstGeom prst="rect">
+            <a:avLst/>
+          </a:prstGeom>
+        </p:spPr>
+        <p:txBody>
+          <a:bodyPr wrap="none">
+            <a:spAutoFit/>
+          </a:bodyPr>
+          <a:lstStyle/>
+          <a:p>
+            <a:r>
+              <a:rPr lang="en-US" b="1" dirty="0" smtClean="0">
+                <a:solidFill>
+                  <a:srgbClr val="000000"/>
+                </a:solidFill>
+                <a:latin typeface="Helvetica Neue"/>
+              </a:rPr>
+              <a:t>Step 3: Predict </a:t>
+            </a:r>
+            <a:r>
+              <a:rPr lang="en-US" b="1" dirty="0">
+                <a:solidFill>
+                  <a:srgbClr val="000000"/>
+                </a:solidFill>
+                <a:latin typeface="Helvetica Neue"/>
+              </a:rPr>
+              <a:t>Clusters</a:t>
+            </a:r>
+            <a:endParaRPr lang="en-US" b="1" i="0" dirty="0">
+              <a:solidFill>
+                <a:srgbClr val="000000"/>
+              </a:solidFill>
+              <a:effectLst/>
+              <a:latin typeface="Helvetica Neue"/>
+            </a:endParaRPr>
+          </a:p>
+        </p:txBody>
+      </p:sp>
+    </p:spTree>
+    <p:extLst>
+      <p:ext uri="{BB962C8B-B14F-4D97-AF65-F5344CB8AC3E}">
+        <p14:creationId xmlns:p14="http://schemas.microsoft.com/office/powerpoint/2010/main" val="3218687228"/>
+      </p:ext>
+    </p:extLst>
+  </p:cSld>
+  <p:clrMapOvr>
+    <a:masterClrMapping/>
+  </p:clrMapOvr>
+</p:sld>
+</file>
+
+<file path=ppt/slides/slide34.xml><?xml version="1.0" encoding="utf-8"?>
+<p:sld xmlns:a="http://schemas.openxmlformats.org/drawingml/2006/main" xmlns:r="http://schemas.openxmlformats.org/officeDocument/2006/relationships" xmlns:p="http://schemas.openxmlformats.org/presentationml/2006/main">
+  <p:cSld>
+    <p:spTree>
+      <p:nvGrpSpPr>
+        <p:cNvPr id="1" name=""/>
+        <p:cNvGrpSpPr/>
+        <p:nvPr/>
+      </p:nvGrpSpPr>
+      <p:grpSpPr>
+        <a:xfrm>
+          <a:off x="0" y="0"/>
+          <a:ext cx="0" cy="0"/>
+          <a:chOff x="0" y="0"/>
+          <a:chExt cx="0" cy="0"/>
+        </a:xfrm>
+      </p:grpSpPr>
+      <p:sp>
+        <p:nvSpPr>
+          <p:cNvPr id="2" name="Title 1"/>
+          <p:cNvSpPr>
+            <a:spLocks noGrp="1"/>
+          </p:cNvSpPr>
+          <p:nvPr>
+            <p:ph type="title"/>
+          </p:nvPr>
+        </p:nvSpPr>
+        <p:spPr/>
+        <p:txBody>
+          <a:bodyPr/>
+          <a:lstStyle/>
+          <a:p>
+            <a:r>
+              <a:rPr lang="en-US" dirty="0" smtClean="0"/>
+              <a:t>Example: Recommendation I</a:t>
             </a:r>
             <a:endParaRPr lang="en-US" dirty="0"/>
           </a:p>
@@ -13499,7 +14462,7 @@
         </p:blipFill>
         <p:spPr>
           <a:xfrm>
-            <a:off x="954332" y="2737460"/>
+            <a:off x="1817932" y="2843336"/>
             <a:ext cx="6276975" cy="1647825"/>
           </a:xfrm>
           <a:prstGeom prst="rect">
@@ -13523,7 +14486,7 @@
         </p:blipFill>
         <p:spPr>
           <a:xfrm>
-            <a:off x="954332" y="4714021"/>
+            <a:off x="3722932" y="4638921"/>
             <a:ext cx="4924425" cy="2009775"/>
           </a:xfrm>
           <a:prstGeom prst="rect">
@@ -13531,6 +14494,59 @@
           </a:prstGeom>
         </p:spPr>
       </p:pic>
+    </p:spTree>
+    <p:extLst>
+      <p:ext uri="{BB962C8B-B14F-4D97-AF65-F5344CB8AC3E}">
+        <p14:creationId xmlns:p14="http://schemas.microsoft.com/office/powerpoint/2010/main" val="2743056040"/>
+      </p:ext>
+    </p:extLst>
+  </p:cSld>
+  <p:clrMapOvr>
+    <a:masterClrMapping/>
+  </p:clrMapOvr>
+</p:sld>
+</file>
+
+<file path=ppt/slides/slide35.xml><?xml version="1.0" encoding="utf-8"?>
+<p:sld xmlns:a="http://schemas.openxmlformats.org/drawingml/2006/main" xmlns:r="http://schemas.openxmlformats.org/officeDocument/2006/relationships" xmlns:p="http://schemas.openxmlformats.org/presentationml/2006/main">
+  <p:cSld>
+    <p:spTree>
+      <p:nvGrpSpPr>
+        <p:cNvPr id="1" name=""/>
+        <p:cNvGrpSpPr/>
+        <p:nvPr/>
+      </p:nvGrpSpPr>
+      <p:grpSpPr>
+        <a:xfrm>
+          <a:off x="0" y="0"/>
+          <a:ext cx="0" cy="0"/>
+          <a:chOff x="0" y="0"/>
+          <a:chExt cx="0" cy="0"/>
+        </a:xfrm>
+      </p:grpSpPr>
+      <p:sp>
+        <p:nvSpPr>
+          <p:cNvPr id="2" name="Title 1"/>
+          <p:cNvSpPr>
+            <a:spLocks noGrp="1"/>
+          </p:cNvSpPr>
+          <p:nvPr>
+            <p:ph type="title"/>
+          </p:nvPr>
+        </p:nvSpPr>
+        <p:spPr/>
+        <p:txBody>
+          <a:bodyPr/>
+          <a:lstStyle/>
+          <a:p>
+            <a:r>
+              <a:rPr lang="en-US" dirty="0" smtClean="0"/>
+              <a:t>Example: Recommendation II</a:t>
+            </a:r>
+            <a:endParaRPr lang="en-US" dirty="0"/>
+          </a:p>
+        </p:txBody>
+      </p:sp>
       <p:pic>
         <p:nvPicPr>
           <p:cNvPr id="8" name="Picture 7"/>
@@ -13540,14 +14556,14 @@
           <p:nvPr/>
         </p:nvPicPr>
         <p:blipFill>
-          <a:blip r:embed="rId5"/>
+          <a:blip r:embed="rId2"/>
           <a:stretch>
             <a:fillRect/>
           </a:stretch>
         </p:blipFill>
         <p:spPr>
           <a:xfrm>
-            <a:off x="4977912" y="1603985"/>
+            <a:off x="838200" y="1690688"/>
             <a:ext cx="6972300" cy="1495425"/>
           </a:xfrm>
           <a:prstGeom prst="rect">
@@ -13564,14 +14580,14 @@
           <p:nvPr/>
         </p:nvPicPr>
         <p:blipFill>
-          <a:blip r:embed="rId6"/>
+          <a:blip r:embed="rId3"/>
           <a:stretch>
             <a:fillRect/>
           </a:stretch>
         </p:blipFill>
         <p:spPr>
           <a:xfrm>
-            <a:off x="3566258" y="4261823"/>
+            <a:off x="838200" y="3550623"/>
             <a:ext cx="8477250" cy="1247775"/>
           </a:xfrm>
           <a:prstGeom prst="rect">
@@ -13592,7 +14608,7 @@
 </p:sld>
 </file>
 
-<file path=ppt/slides/slide31.xml><?xml version="1.0" encoding="utf-8"?>
+<file path=ppt/slides/slide36.xml><?xml version="1.0" encoding="utf-8"?>
 <p:sld xmlns:a="http://schemas.openxmlformats.org/drawingml/2006/main" xmlns:r="http://schemas.openxmlformats.org/officeDocument/2006/relationships" xmlns:p="http://schemas.openxmlformats.org/presentationml/2006/main">
   <p:cSld>
     <p:spTree>
